--- a/기획서/11 성물.pptx
+++ b/기획서/11 성물.pptx
@@ -6,12 +6,9 @@
   </p:sldMasterIdLst>
   <p:sldIdLst>
     <p:sldId id="256" r:id="rId2"/>
-    <p:sldId id="257" r:id="rId3"/>
-    <p:sldId id="258" r:id="rId4"/>
-    <p:sldId id="259" r:id="rId5"/>
-    <p:sldId id="260" r:id="rId6"/>
-    <p:sldId id="261" r:id="rId7"/>
-    <p:sldId id="262" r:id="rId8"/>
+    <p:sldId id="259" r:id="rId3"/>
+    <p:sldId id="257" r:id="rId4"/>
+    <p:sldId id="261" r:id="rId5"/>
   </p:sldIdLst>
   <p:sldSz cx="12192000" cy="6858000"/>
   <p:notesSz cx="6858000" cy="9144000"/>
@@ -110,6 +107,11 @@
       </a:defRPr>
     </a:lvl9pPr>
   </p:defaultTextStyle>
+  <p:extLst>
+    <p:ext uri="{EFAFB233-063F-42B5-8137-9DF3F51BA10A}">
+      <p15:sldGuideLst xmlns:p15="http://schemas.microsoft.com/office/powerpoint/2012/main"/>
+    </p:ext>
+  </p:extLst>
 </p:presentation>
 </file>
 
@@ -260,7 +262,7 @@
           <a:p>
             <a:fld id="{A978D3BB-24D4-4286-8304-FBBE3500302D}" type="datetimeFigureOut">
               <a:rPr lang="ko-KR" altLang="en-US" smtClean="0"/>
-              <a:t>2021-02-07</a:t>
+              <a:t>2021-04-06</a:t>
             </a:fld>
             <a:endParaRPr lang="ko-KR" altLang="en-US"/>
           </a:p>
@@ -458,7 +460,7 @@
           <a:p>
             <a:fld id="{A978D3BB-24D4-4286-8304-FBBE3500302D}" type="datetimeFigureOut">
               <a:rPr lang="ko-KR" altLang="en-US" smtClean="0"/>
-              <a:t>2021-02-07</a:t>
+              <a:t>2021-04-06</a:t>
             </a:fld>
             <a:endParaRPr lang="ko-KR" altLang="en-US"/>
           </a:p>
@@ -666,7 +668,7 @@
           <a:p>
             <a:fld id="{A978D3BB-24D4-4286-8304-FBBE3500302D}" type="datetimeFigureOut">
               <a:rPr lang="ko-KR" altLang="en-US" smtClean="0"/>
-              <a:t>2021-02-07</a:t>
+              <a:t>2021-04-06</a:t>
             </a:fld>
             <a:endParaRPr lang="ko-KR" altLang="en-US"/>
           </a:p>
@@ -864,7 +866,7 @@
           <a:p>
             <a:fld id="{A978D3BB-24D4-4286-8304-FBBE3500302D}" type="datetimeFigureOut">
               <a:rPr lang="ko-KR" altLang="en-US" smtClean="0"/>
-              <a:t>2021-02-07</a:t>
+              <a:t>2021-04-06</a:t>
             </a:fld>
             <a:endParaRPr lang="ko-KR" altLang="en-US"/>
           </a:p>
@@ -1139,7 +1141,7 @@
           <a:p>
             <a:fld id="{A978D3BB-24D4-4286-8304-FBBE3500302D}" type="datetimeFigureOut">
               <a:rPr lang="ko-KR" altLang="en-US" smtClean="0"/>
-              <a:t>2021-02-07</a:t>
+              <a:t>2021-04-06</a:t>
             </a:fld>
             <a:endParaRPr lang="ko-KR" altLang="en-US"/>
           </a:p>
@@ -1404,7 +1406,7 @@
           <a:p>
             <a:fld id="{A978D3BB-24D4-4286-8304-FBBE3500302D}" type="datetimeFigureOut">
               <a:rPr lang="ko-KR" altLang="en-US" smtClean="0"/>
-              <a:t>2021-02-07</a:t>
+              <a:t>2021-04-06</a:t>
             </a:fld>
             <a:endParaRPr lang="ko-KR" altLang="en-US"/>
           </a:p>
@@ -1816,7 +1818,7 @@
           <a:p>
             <a:fld id="{A978D3BB-24D4-4286-8304-FBBE3500302D}" type="datetimeFigureOut">
               <a:rPr lang="ko-KR" altLang="en-US" smtClean="0"/>
-              <a:t>2021-02-07</a:t>
+              <a:t>2021-04-06</a:t>
             </a:fld>
             <a:endParaRPr lang="ko-KR" altLang="en-US"/>
           </a:p>
@@ -1957,7 +1959,7 @@
           <a:p>
             <a:fld id="{A978D3BB-24D4-4286-8304-FBBE3500302D}" type="datetimeFigureOut">
               <a:rPr lang="ko-KR" altLang="en-US" smtClean="0"/>
-              <a:t>2021-02-07</a:t>
+              <a:t>2021-04-06</a:t>
             </a:fld>
             <a:endParaRPr lang="ko-KR" altLang="en-US"/>
           </a:p>
@@ -2070,7 +2072,7 @@
           <a:p>
             <a:fld id="{A978D3BB-24D4-4286-8304-FBBE3500302D}" type="datetimeFigureOut">
               <a:rPr lang="ko-KR" altLang="en-US" smtClean="0"/>
-              <a:t>2021-02-07</a:t>
+              <a:t>2021-04-06</a:t>
             </a:fld>
             <a:endParaRPr lang="ko-KR" altLang="en-US"/>
           </a:p>
@@ -2381,7 +2383,7 @@
           <a:p>
             <a:fld id="{A978D3BB-24D4-4286-8304-FBBE3500302D}" type="datetimeFigureOut">
               <a:rPr lang="ko-KR" altLang="en-US" smtClean="0"/>
-              <a:t>2021-02-07</a:t>
+              <a:t>2021-04-06</a:t>
             </a:fld>
             <a:endParaRPr lang="ko-KR" altLang="en-US"/>
           </a:p>
@@ -2669,7 +2671,7 @@
           <a:p>
             <a:fld id="{A978D3BB-24D4-4286-8304-FBBE3500302D}" type="datetimeFigureOut">
               <a:rPr lang="ko-KR" altLang="en-US" smtClean="0"/>
-              <a:t>2021-02-07</a:t>
+              <a:t>2021-04-06</a:t>
             </a:fld>
             <a:endParaRPr lang="ko-KR" altLang="en-US"/>
           </a:p>
@@ -2910,7 +2912,7 @@
           <a:p>
             <a:fld id="{A978D3BB-24D4-4286-8304-FBBE3500302D}" type="datetimeFigureOut">
               <a:rPr lang="ko-KR" altLang="en-US" smtClean="0"/>
-              <a:t>2021-02-07</a:t>
+              <a:t>2021-04-06</a:t>
             </a:fld>
             <a:endParaRPr lang="ko-KR" altLang="en-US"/>
           </a:p>
@@ -3348,32 +3350,10 @@
           <a:bodyPr/>
           <a:lstStyle/>
           <a:p>
-            <a:endParaRPr lang="ko-KR" altLang="en-US"/>
-          </a:p>
-        </p:txBody>
-      </p:sp>
-      <p:sp>
-        <p:nvSpPr>
-          <p:cNvPr id="3" name="부제목 2">
-            <a:extLst>
-              <a:ext uri="{FF2B5EF4-FFF2-40B4-BE49-F238E27FC236}">
-                <a16:creationId xmlns:a16="http://schemas.microsoft.com/office/drawing/2014/main" id="{3CD0860B-5961-4D81-B9C6-492CAC8F4DE0}"/>
-              </a:ext>
-            </a:extLst>
-          </p:cNvPr>
-          <p:cNvSpPr>
-            <a:spLocks noGrp="1"/>
-          </p:cNvSpPr>
-          <p:nvPr>
-            <p:ph type="subTitle" idx="1"/>
-          </p:nvPr>
-        </p:nvSpPr>
-        <p:spPr/>
-        <p:txBody>
-          <a:bodyPr/>
-          <a:lstStyle/>
-          <a:p>
-            <a:endParaRPr lang="ko-KR" altLang="en-US"/>
+            <a:r>
+              <a:rPr lang="ko-KR" altLang="en-US"/>
+              <a:t>성물 기획서</a:t>
+            </a:r>
           </a:p>
         </p:txBody>
       </p:sp>
@@ -3407,142 +3387,882 @@
           <a:chExt cx="0" cy="0"/>
         </a:xfrm>
       </p:grpSpPr>
-      <p:pic>
-        <p:nvPicPr>
-          <p:cNvPr id="5" name="그림 4">
-            <a:extLst>
-              <a:ext uri="{FF2B5EF4-FFF2-40B4-BE49-F238E27FC236}">
-                <a16:creationId xmlns:a16="http://schemas.microsoft.com/office/drawing/2014/main" id="{F6AC6332-1453-443D-A618-4B4927280245}"/>
-              </a:ext>
-            </a:extLst>
-          </p:cNvPr>
-          <p:cNvPicPr>
-            <a:picLocks noChangeAspect="1"/>
-          </p:cNvPicPr>
+      <p:grpSp>
+        <p:nvGrpSpPr>
+          <p:cNvPr id="3" name="그룹 2">
+            <a:extLst>
+              <a:ext uri="{FF2B5EF4-FFF2-40B4-BE49-F238E27FC236}">
+                <a16:creationId xmlns:a16="http://schemas.microsoft.com/office/drawing/2014/main" id="{96D9A9C8-2390-4B55-8BF4-923A32909BAA}"/>
+              </a:ext>
+            </a:extLst>
+          </p:cNvPr>
+          <p:cNvGrpSpPr/>
           <p:nvPr/>
-        </p:nvPicPr>
-        <p:blipFill>
-          <a:blip r:embed="rId2"/>
-          <a:stretch>
-            <a:fillRect/>
-          </a:stretch>
-        </p:blipFill>
+        </p:nvGrpSpPr>
+        <p:grpSpPr>
+          <a:xfrm>
+            <a:off x="1210524" y="779322"/>
+            <a:ext cx="9770952" cy="6015618"/>
+            <a:chOff x="1141291" y="779322"/>
+            <a:chExt cx="9770952" cy="6015618"/>
+          </a:xfrm>
+        </p:grpSpPr>
+        <p:pic>
+          <p:nvPicPr>
+            <p:cNvPr id="5" name="그림 4">
+              <a:extLst>
+                <a:ext uri="{FF2B5EF4-FFF2-40B4-BE49-F238E27FC236}">
+                  <a16:creationId xmlns:a16="http://schemas.microsoft.com/office/drawing/2014/main" id="{64CB20BF-5047-4675-9EE1-EEC53E2CDA99}"/>
+                </a:ext>
+              </a:extLst>
+            </p:cNvPr>
+            <p:cNvPicPr>
+              <a:picLocks noChangeAspect="1"/>
+            </p:cNvPicPr>
+            <p:nvPr/>
+          </p:nvPicPr>
+          <p:blipFill>
+            <a:blip r:embed="rId2">
+              <a:extLst>
+                <a:ext uri="{BEBA8EAE-BF5A-486C-A8C5-ECC9F3942E4B}">
+                  <a14:imgProps xmlns:a14="http://schemas.microsoft.com/office/drawing/2010/main">
+                    <a14:imgLayer r:embed="rId3">
+                      <a14:imgEffect>
+                        <a14:brightnessContrast bright="40000"/>
+                      </a14:imgEffect>
+                    </a14:imgLayer>
+                  </a14:imgProps>
+                </a:ext>
+              </a:extLst>
+            </a:blip>
+            <a:stretch>
+              <a:fillRect/>
+            </a:stretch>
+          </p:blipFill>
+          <p:spPr>
+            <a:xfrm>
+              <a:off x="4618678" y="3731437"/>
+              <a:ext cx="1330682" cy="1327133"/>
+            </a:xfrm>
+            <a:prstGeom prst="rect">
+              <a:avLst/>
+            </a:prstGeom>
+          </p:spPr>
+        </p:pic>
+        <p:pic>
+          <p:nvPicPr>
+            <p:cNvPr id="7" name="그림 6">
+              <a:extLst>
+                <a:ext uri="{FF2B5EF4-FFF2-40B4-BE49-F238E27FC236}">
+                  <a16:creationId xmlns:a16="http://schemas.microsoft.com/office/drawing/2014/main" id="{E877D100-CDEE-433B-8BAC-D0E942E7EE14}"/>
+                </a:ext>
+              </a:extLst>
+            </p:cNvPr>
+            <p:cNvPicPr>
+              <a:picLocks noChangeAspect="1"/>
+            </p:cNvPicPr>
+            <p:nvPr/>
+          </p:nvPicPr>
+          <p:blipFill>
+            <a:blip r:embed="rId4">
+              <a:extLst>
+                <a:ext uri="{BEBA8EAE-BF5A-486C-A8C5-ECC9F3942E4B}">
+                  <a14:imgProps xmlns:a14="http://schemas.microsoft.com/office/drawing/2010/main">
+                    <a14:imgLayer r:embed="rId5">
+                      <a14:imgEffect>
+                        <a14:brightnessContrast bright="40000"/>
+                      </a14:imgEffect>
+                    </a14:imgLayer>
+                  </a14:imgProps>
+                </a:ext>
+              </a:extLst>
+            </a:blip>
+            <a:stretch>
+              <a:fillRect/>
+            </a:stretch>
+          </p:blipFill>
+          <p:spPr>
+            <a:xfrm>
+              <a:off x="4842233" y="2178095"/>
+              <a:ext cx="1107127" cy="1270358"/>
+            </a:xfrm>
+            <a:prstGeom prst="rect">
+              <a:avLst/>
+            </a:prstGeom>
+          </p:spPr>
+        </p:pic>
+        <p:pic>
+          <p:nvPicPr>
+            <p:cNvPr id="6" name="그림 5">
+              <a:extLst>
+                <a:ext uri="{FF2B5EF4-FFF2-40B4-BE49-F238E27FC236}">
+                  <a16:creationId xmlns:a16="http://schemas.microsoft.com/office/drawing/2014/main" id="{5F6E2740-8041-40EE-8E1F-1A0A17F33556}"/>
+                </a:ext>
+              </a:extLst>
+            </p:cNvPr>
+            <p:cNvPicPr>
+              <a:picLocks noChangeAspect="1"/>
+            </p:cNvPicPr>
+            <p:nvPr/>
+          </p:nvPicPr>
+          <p:blipFill>
+            <a:blip r:embed="rId6">
+              <a:extLst>
+                <a:ext uri="{BEBA8EAE-BF5A-486C-A8C5-ECC9F3942E4B}">
+                  <a14:imgProps xmlns:a14="http://schemas.microsoft.com/office/drawing/2010/main">
+                    <a14:imgLayer r:embed="rId7">
+                      <a14:imgEffect>
+                        <a14:brightnessContrast bright="40000"/>
+                      </a14:imgEffect>
+                    </a14:imgLayer>
+                  </a14:imgProps>
+                </a:ext>
+              </a:extLst>
+            </a:blip>
+            <a:stretch>
+              <a:fillRect/>
+            </a:stretch>
+          </p:blipFill>
+          <p:spPr>
+            <a:xfrm>
+              <a:off x="4770648" y="782138"/>
+              <a:ext cx="1163903" cy="1351973"/>
+            </a:xfrm>
+            <a:prstGeom prst="rect">
+              <a:avLst/>
+            </a:prstGeom>
+          </p:spPr>
+        </p:pic>
+        <p:pic>
+          <p:nvPicPr>
+            <p:cNvPr id="8" name="그림 7">
+              <a:extLst>
+                <a:ext uri="{FF2B5EF4-FFF2-40B4-BE49-F238E27FC236}">
+                  <a16:creationId xmlns:a16="http://schemas.microsoft.com/office/drawing/2014/main" id="{FBBE60B7-7B70-4A97-BAEC-D2964A00B0CC}"/>
+                </a:ext>
+              </a:extLst>
+            </p:cNvPr>
+            <p:cNvPicPr>
+              <a:picLocks noChangeAspect="1"/>
+            </p:cNvPicPr>
+            <p:nvPr/>
+          </p:nvPicPr>
+          <p:blipFill>
+            <a:blip r:embed="rId8">
+              <a:extLst>
+                <a:ext uri="{BEBA8EAE-BF5A-486C-A8C5-ECC9F3942E4B}">
+                  <a14:imgProps xmlns:a14="http://schemas.microsoft.com/office/drawing/2010/main">
+                    <a14:imgLayer r:embed="rId9">
+                      <a14:imgEffect>
+                        <a14:brightnessContrast bright="40000"/>
+                      </a14:imgEffect>
+                    </a14:imgLayer>
+                  </a14:imgProps>
+                </a:ext>
+              </a:extLst>
+            </a:blip>
+            <a:stretch>
+              <a:fillRect/>
+            </a:stretch>
+          </p:blipFill>
+          <p:spPr>
+            <a:xfrm>
+              <a:off x="4824490" y="5315098"/>
+              <a:ext cx="1124870" cy="1178097"/>
+            </a:xfrm>
+            <a:prstGeom prst="rect">
+              <a:avLst/>
+            </a:prstGeom>
+          </p:spPr>
+        </p:pic>
+        <p:pic>
+          <p:nvPicPr>
+            <p:cNvPr id="10" name="그림 9">
+              <a:extLst>
+                <a:ext uri="{FF2B5EF4-FFF2-40B4-BE49-F238E27FC236}">
+                  <a16:creationId xmlns:a16="http://schemas.microsoft.com/office/drawing/2014/main" id="{FB8483A5-CFFA-4A1C-9DD8-E133614E905B}"/>
+                </a:ext>
+              </a:extLst>
+            </p:cNvPr>
+            <p:cNvPicPr>
+              <a:picLocks noChangeAspect="1"/>
+            </p:cNvPicPr>
+            <p:nvPr/>
+          </p:nvPicPr>
+          <p:blipFill>
+            <a:blip r:embed="rId10">
+              <a:extLst>
+                <a:ext uri="{BEBA8EAE-BF5A-486C-A8C5-ECC9F3942E4B}">
+                  <a14:imgProps xmlns:a14="http://schemas.microsoft.com/office/drawing/2010/main">
+                    <a14:imgLayer r:embed="rId11">
+                      <a14:imgEffect>
+                        <a14:brightnessContrast bright="40000"/>
+                      </a14:imgEffect>
+                    </a14:imgLayer>
+                  </a14:imgProps>
+                </a:ext>
+              </a:extLst>
+            </a:blip>
+            <a:stretch>
+              <a:fillRect/>
+            </a:stretch>
+          </p:blipFill>
+          <p:spPr>
+            <a:xfrm>
+              <a:off x="6074078" y="782138"/>
+              <a:ext cx="1301846" cy="1305598"/>
+            </a:xfrm>
+            <a:prstGeom prst="rect">
+              <a:avLst/>
+            </a:prstGeom>
+          </p:spPr>
+        </p:pic>
+        <p:pic>
+          <p:nvPicPr>
+            <p:cNvPr id="12" name="그림 11">
+              <a:extLst>
+                <a:ext uri="{FF2B5EF4-FFF2-40B4-BE49-F238E27FC236}">
+                  <a16:creationId xmlns:a16="http://schemas.microsoft.com/office/drawing/2014/main" id="{B588CA1E-A6B7-4BBC-9701-CF6970ABBDD6}"/>
+                </a:ext>
+              </a:extLst>
+            </p:cNvPr>
+            <p:cNvPicPr>
+              <a:picLocks noChangeAspect="1"/>
+            </p:cNvPicPr>
+            <p:nvPr/>
+          </p:nvPicPr>
+          <p:blipFill>
+            <a:blip r:embed="rId12">
+              <a:extLst>
+                <a:ext uri="{BEBA8EAE-BF5A-486C-A8C5-ECC9F3942E4B}">
+                  <a14:imgProps xmlns:a14="http://schemas.microsoft.com/office/drawing/2010/main">
+                    <a14:imgLayer r:embed="rId13">
+                      <a14:imgEffect>
+                        <a14:brightnessContrast bright="40000"/>
+                      </a14:imgEffect>
+                    </a14:imgLayer>
+                  </a14:imgProps>
+                </a:ext>
+              </a:extLst>
+            </a:blip>
+            <a:stretch>
+              <a:fillRect/>
+            </a:stretch>
+          </p:blipFill>
+          <p:spPr>
+            <a:xfrm>
+              <a:off x="6096000" y="2179877"/>
+              <a:ext cx="1346867" cy="1459419"/>
+            </a:xfrm>
+            <a:prstGeom prst="rect">
+              <a:avLst/>
+            </a:prstGeom>
+          </p:spPr>
+        </p:pic>
+        <p:pic>
+          <p:nvPicPr>
+            <p:cNvPr id="13" name="그림 12">
+              <a:extLst>
+                <a:ext uri="{FF2B5EF4-FFF2-40B4-BE49-F238E27FC236}">
+                  <a16:creationId xmlns:a16="http://schemas.microsoft.com/office/drawing/2014/main" id="{7CBCED0C-B244-423E-9B3A-173D1CF2B237}"/>
+                </a:ext>
+              </a:extLst>
+            </p:cNvPr>
+            <p:cNvPicPr>
+              <a:picLocks noChangeAspect="1"/>
+            </p:cNvPicPr>
+            <p:nvPr/>
+          </p:nvPicPr>
+          <p:blipFill>
+            <a:blip r:embed="rId14">
+              <a:extLst>
+                <a:ext uri="{BEBA8EAE-BF5A-486C-A8C5-ECC9F3942E4B}">
+                  <a14:imgProps xmlns:a14="http://schemas.microsoft.com/office/drawing/2010/main">
+                    <a14:imgLayer r:embed="rId15">
+                      <a14:imgEffect>
+                        <a14:brightnessContrast bright="40000"/>
+                      </a14:imgEffect>
+                    </a14:imgLayer>
+                  </a14:imgProps>
+                </a:ext>
+              </a:extLst>
+            </a:blip>
+            <a:stretch>
+              <a:fillRect/>
+            </a:stretch>
+          </p:blipFill>
+          <p:spPr>
+            <a:xfrm>
+              <a:off x="6096000" y="3731437"/>
+              <a:ext cx="1418150" cy="1493184"/>
+            </a:xfrm>
+            <a:prstGeom prst="rect">
+              <a:avLst/>
+            </a:prstGeom>
+          </p:spPr>
+        </p:pic>
+        <p:pic>
+          <p:nvPicPr>
+            <p:cNvPr id="14" name="그림 13">
+              <a:extLst>
+                <a:ext uri="{FF2B5EF4-FFF2-40B4-BE49-F238E27FC236}">
+                  <a16:creationId xmlns:a16="http://schemas.microsoft.com/office/drawing/2014/main" id="{DB171D7A-9EEB-485D-8F18-D8E9F707BD6D}"/>
+                </a:ext>
+              </a:extLst>
+            </p:cNvPr>
+            <p:cNvPicPr>
+              <a:picLocks noChangeAspect="1"/>
+            </p:cNvPicPr>
+            <p:nvPr/>
+          </p:nvPicPr>
+          <p:blipFill>
+            <a:blip r:embed="rId16">
+              <a:extLst>
+                <a:ext uri="{BEBA8EAE-BF5A-486C-A8C5-ECC9F3942E4B}">
+                  <a14:imgProps xmlns:a14="http://schemas.microsoft.com/office/drawing/2010/main">
+                    <a14:imgLayer r:embed="rId17">
+                      <a14:imgEffect>
+                        <a14:brightnessContrast bright="40000"/>
+                      </a14:imgEffect>
+                    </a14:imgLayer>
+                  </a14:imgProps>
+                </a:ext>
+              </a:extLst>
+            </a:blip>
+            <a:stretch>
+              <a:fillRect/>
+            </a:stretch>
+          </p:blipFill>
+          <p:spPr>
+            <a:xfrm>
+              <a:off x="6096000" y="5316762"/>
+              <a:ext cx="1418150" cy="1478178"/>
+            </a:xfrm>
+            <a:prstGeom prst="rect">
+              <a:avLst/>
+            </a:prstGeom>
+          </p:spPr>
+        </p:pic>
+        <p:sp>
+          <p:nvSpPr>
+            <p:cNvPr id="2" name="TextBox 1">
+              <a:extLst>
+                <a:ext uri="{FF2B5EF4-FFF2-40B4-BE49-F238E27FC236}">
+                  <a16:creationId xmlns:a16="http://schemas.microsoft.com/office/drawing/2014/main" id="{F91F80D0-991D-4D36-9611-F9D9508A8893}"/>
+                </a:ext>
+              </a:extLst>
+            </p:cNvPr>
+            <p:cNvSpPr txBox="1"/>
+            <p:nvPr/>
+          </p:nvSpPr>
+          <p:spPr>
+            <a:xfrm>
+              <a:off x="1141293" y="779322"/>
+              <a:ext cx="3251451" cy="646331"/>
+            </a:xfrm>
+            <a:prstGeom prst="rect">
+              <a:avLst/>
+            </a:prstGeom>
+            <a:noFill/>
+          </p:spPr>
+          <p:txBody>
+            <a:bodyPr wrap="square" rtlCol="0">
+              <a:spAutoFit/>
+            </a:bodyPr>
+            <a:lstStyle/>
+            <a:p>
+              <a:pPr algn="r"/>
+              <a:r>
+                <a:rPr lang="ko-KR" altLang="en-US" b="1"/>
+                <a:t>발키리 소드</a:t>
+              </a:r>
+              <a:r>
+                <a:rPr lang="en-US" altLang="ko-KR" b="1"/>
+                <a:t> [</a:t>
+              </a:r>
+              <a:r>
+                <a:rPr lang="ko-KR" altLang="en-US" b="1"/>
+                <a:t>기본 장착</a:t>
+              </a:r>
+              <a:r>
+                <a:rPr lang="en-US" altLang="ko-KR" b="1"/>
+                <a:t>]</a:t>
+              </a:r>
+            </a:p>
+            <a:p>
+              <a:pPr algn="r"/>
+              <a:r>
+                <a:rPr lang="en-US" altLang="ko-KR"/>
+                <a:t>#</a:t>
+              </a:r>
+              <a:r>
+                <a:rPr lang="ko-KR" altLang="en-US"/>
+                <a:t>밸런스</a:t>
+              </a:r>
+            </a:p>
+          </p:txBody>
+        </p:sp>
+        <p:sp>
+          <p:nvSpPr>
+            <p:cNvPr id="15" name="TextBox 14">
+              <a:extLst>
+                <a:ext uri="{FF2B5EF4-FFF2-40B4-BE49-F238E27FC236}">
+                  <a16:creationId xmlns:a16="http://schemas.microsoft.com/office/drawing/2014/main" id="{F6562297-FFDB-4368-B905-8AA6E8333F75}"/>
+                </a:ext>
+              </a:extLst>
+            </p:cNvPr>
+            <p:cNvSpPr txBox="1"/>
+            <p:nvPr/>
+          </p:nvSpPr>
+          <p:spPr>
+            <a:xfrm>
+              <a:off x="1141294" y="2185143"/>
+              <a:ext cx="3251451" cy="1200329"/>
+            </a:xfrm>
+            <a:prstGeom prst="rect">
+              <a:avLst/>
+            </a:prstGeom>
+            <a:noFill/>
+          </p:spPr>
+          <p:txBody>
+            <a:bodyPr wrap="square" rtlCol="0">
+              <a:spAutoFit/>
+            </a:bodyPr>
+            <a:lstStyle/>
+            <a:p>
+              <a:pPr algn="r"/>
+              <a:r>
+                <a:rPr lang="ko-KR" altLang="en-US" b="1"/>
+                <a:t>레이피어</a:t>
+              </a:r>
+              <a:endParaRPr lang="en-US" altLang="ko-KR" b="1"/>
+            </a:p>
+            <a:p>
+              <a:pPr algn="r"/>
+              <a:r>
+                <a:rPr lang="en-US" altLang="ko-KR"/>
+                <a:t>#</a:t>
+              </a:r>
+              <a:r>
+                <a:rPr lang="ko-KR" altLang="en-US"/>
+                <a:t>찌르기 </a:t>
+              </a:r>
+              <a:r>
+                <a:rPr lang="en-US" altLang="ko-KR"/>
+                <a:t>#</a:t>
+              </a:r>
+              <a:r>
+                <a:rPr lang="ko-KR" altLang="en-US"/>
+                <a:t>기동성 </a:t>
+              </a:r>
+              <a:r>
+                <a:rPr lang="en-US" altLang="ko-KR"/>
+                <a:t>#</a:t>
+              </a:r>
+              <a:r>
+                <a:rPr lang="ko-KR" altLang="en-US"/>
+                <a:t>다단히트</a:t>
+              </a:r>
+              <a:endParaRPr lang="en-US" altLang="ko-KR"/>
+            </a:p>
+            <a:p>
+              <a:pPr algn="r"/>
+              <a:r>
+                <a:rPr lang="en-US" altLang="ko-KR"/>
+                <a:t>#</a:t>
+              </a:r>
+              <a:r>
+                <a:rPr lang="ko-KR" altLang="en-US"/>
+                <a:t>대시 후 추가타</a:t>
+              </a:r>
+              <a:endParaRPr lang="en-US" altLang="ko-KR"/>
+            </a:p>
+            <a:p>
+              <a:pPr algn="r"/>
+              <a:r>
+                <a:rPr lang="en-US" altLang="ko-KR"/>
+                <a:t>#</a:t>
+              </a:r>
+              <a:r>
+                <a:rPr lang="ko-KR" altLang="en-US"/>
+                <a:t>패링 후 추가타</a:t>
+              </a:r>
+            </a:p>
+          </p:txBody>
+        </p:sp>
+        <p:sp>
+          <p:nvSpPr>
+            <p:cNvPr id="16" name="TextBox 15">
+              <a:extLst>
+                <a:ext uri="{FF2B5EF4-FFF2-40B4-BE49-F238E27FC236}">
+                  <a16:creationId xmlns:a16="http://schemas.microsoft.com/office/drawing/2014/main" id="{7A28A2BE-3383-4941-94C5-5AE6294CBB09}"/>
+                </a:ext>
+              </a:extLst>
+            </p:cNvPr>
+            <p:cNvSpPr txBox="1"/>
+            <p:nvPr/>
+          </p:nvSpPr>
+          <p:spPr>
+            <a:xfrm>
+              <a:off x="1141292" y="3731436"/>
+              <a:ext cx="3251451" cy="646331"/>
+            </a:xfrm>
+            <a:prstGeom prst="rect">
+              <a:avLst/>
+            </a:prstGeom>
+            <a:noFill/>
+          </p:spPr>
+          <p:txBody>
+            <a:bodyPr wrap="square" rtlCol="0">
+              <a:spAutoFit/>
+            </a:bodyPr>
+            <a:lstStyle/>
+            <a:p>
+              <a:pPr algn="r"/>
+              <a:r>
+                <a:rPr lang="ko-KR" altLang="en-US" b="1"/>
+                <a:t>스태프</a:t>
+              </a:r>
+              <a:endParaRPr lang="en-US" altLang="ko-KR" b="1"/>
+            </a:p>
+            <a:p>
+              <a:pPr algn="r"/>
+              <a:r>
+                <a:rPr lang="en-US" altLang="ko-KR"/>
+                <a:t>#</a:t>
+              </a:r>
+              <a:r>
+                <a:rPr lang="ko-KR" altLang="en-US"/>
+                <a:t>마법 </a:t>
+              </a:r>
+              <a:r>
+                <a:rPr lang="en-US" altLang="ko-KR"/>
+                <a:t>#</a:t>
+              </a:r>
+              <a:r>
+                <a:rPr lang="ko-KR" altLang="en-US"/>
+                <a:t>주문</a:t>
+              </a:r>
+            </a:p>
+          </p:txBody>
+        </p:sp>
+        <p:sp>
+          <p:nvSpPr>
+            <p:cNvPr id="17" name="TextBox 16">
+              <a:extLst>
+                <a:ext uri="{FF2B5EF4-FFF2-40B4-BE49-F238E27FC236}">
+                  <a16:creationId xmlns:a16="http://schemas.microsoft.com/office/drawing/2014/main" id="{96B13C55-B0BF-4EA3-BFB2-3DE6A5795716}"/>
+                </a:ext>
+              </a:extLst>
+            </p:cNvPr>
+            <p:cNvSpPr txBox="1"/>
+            <p:nvPr/>
+          </p:nvSpPr>
+          <p:spPr>
+            <a:xfrm>
+              <a:off x="1141291" y="5317439"/>
+              <a:ext cx="3251451" cy="646331"/>
+            </a:xfrm>
+            <a:prstGeom prst="rect">
+              <a:avLst/>
+            </a:prstGeom>
+            <a:noFill/>
+          </p:spPr>
+          <p:txBody>
+            <a:bodyPr wrap="square" rtlCol="0">
+              <a:spAutoFit/>
+            </a:bodyPr>
+            <a:lstStyle/>
+            <a:p>
+              <a:pPr algn="r"/>
+              <a:r>
+                <a:rPr lang="ko-KR" altLang="en-US" b="1"/>
+                <a:t>숏소드</a:t>
+              </a:r>
+              <a:endParaRPr lang="en-US" altLang="ko-KR" b="1"/>
+            </a:p>
+            <a:p>
+              <a:pPr algn="r"/>
+              <a:r>
+                <a:rPr lang="en-US" altLang="ko-KR"/>
+                <a:t>#</a:t>
+              </a:r>
+              <a:r>
+                <a:rPr lang="ko-KR" altLang="en-US"/>
+                <a:t>쾌속 </a:t>
+              </a:r>
+              <a:r>
+                <a:rPr lang="en-US" altLang="ko-KR"/>
+                <a:t>#</a:t>
+              </a:r>
+              <a:r>
+                <a:rPr lang="ko-KR" altLang="en-US"/>
+                <a:t>기동성</a:t>
+              </a:r>
+            </a:p>
+          </p:txBody>
+        </p:sp>
+        <p:sp>
+          <p:nvSpPr>
+            <p:cNvPr id="18" name="TextBox 17">
+              <a:extLst>
+                <a:ext uri="{FF2B5EF4-FFF2-40B4-BE49-F238E27FC236}">
+                  <a16:creationId xmlns:a16="http://schemas.microsoft.com/office/drawing/2014/main" id="{60217C20-BC91-49D6-B9F6-F6CEACB87965}"/>
+                </a:ext>
+              </a:extLst>
+            </p:cNvPr>
+            <p:cNvSpPr txBox="1"/>
+            <p:nvPr/>
+          </p:nvSpPr>
+          <p:spPr>
+            <a:xfrm>
+              <a:off x="7660790" y="782138"/>
+              <a:ext cx="3251451" cy="646331"/>
+            </a:xfrm>
+            <a:prstGeom prst="rect">
+              <a:avLst/>
+            </a:prstGeom>
+            <a:noFill/>
+          </p:spPr>
+          <p:txBody>
+            <a:bodyPr wrap="square" rtlCol="0">
+              <a:spAutoFit/>
+            </a:bodyPr>
+            <a:lstStyle/>
+            <a:p>
+              <a:r>
+                <a:rPr lang="ko-KR" altLang="en-US" b="1"/>
+                <a:t>바스타드소드</a:t>
+              </a:r>
+              <a:endParaRPr lang="en-US" altLang="ko-KR" b="1"/>
+            </a:p>
+            <a:p>
+              <a:r>
+                <a:rPr lang="en-US" altLang="ko-KR"/>
+                <a:t>#</a:t>
+              </a:r>
+              <a:r>
+                <a:rPr lang="ko-KR" altLang="en-US"/>
+                <a:t>마법 </a:t>
+              </a:r>
+              <a:r>
+                <a:rPr lang="en-US" altLang="ko-KR"/>
+                <a:t>#</a:t>
+              </a:r>
+              <a:r>
+                <a:rPr lang="ko-KR" altLang="en-US"/>
+                <a:t>마검</a:t>
+              </a:r>
+            </a:p>
+          </p:txBody>
+        </p:sp>
+        <p:sp>
+          <p:nvSpPr>
+            <p:cNvPr id="19" name="TextBox 18">
+              <a:extLst>
+                <a:ext uri="{FF2B5EF4-FFF2-40B4-BE49-F238E27FC236}">
+                  <a16:creationId xmlns:a16="http://schemas.microsoft.com/office/drawing/2014/main" id="{D9D4241E-106C-4F4F-99C0-2010DE5ED61D}"/>
+                </a:ext>
+              </a:extLst>
+            </p:cNvPr>
+            <p:cNvSpPr txBox="1"/>
+            <p:nvPr/>
+          </p:nvSpPr>
+          <p:spPr>
+            <a:xfrm>
+              <a:off x="7660791" y="2179877"/>
+              <a:ext cx="3251451" cy="923330"/>
+            </a:xfrm>
+            <a:prstGeom prst="rect">
+              <a:avLst/>
+            </a:prstGeom>
+            <a:noFill/>
+          </p:spPr>
+          <p:txBody>
+            <a:bodyPr wrap="square" rtlCol="0">
+              <a:spAutoFit/>
+            </a:bodyPr>
+            <a:lstStyle/>
+            <a:p>
+              <a:r>
+                <a:rPr lang="ko-KR" altLang="en-US" b="1"/>
+                <a:t>카타나</a:t>
+              </a:r>
+              <a:endParaRPr lang="en-US" altLang="ko-KR" b="1"/>
+            </a:p>
+            <a:p>
+              <a:r>
+                <a:rPr lang="en-US" altLang="ko-KR"/>
+                <a:t>#</a:t>
+              </a:r>
+              <a:r>
+                <a:rPr lang="ko-KR" altLang="en-US"/>
+                <a:t>악마 </a:t>
+              </a:r>
+              <a:r>
+                <a:rPr lang="en-US" altLang="ko-KR"/>
+                <a:t>#</a:t>
+              </a:r>
+              <a:r>
+                <a:rPr lang="ko-KR" altLang="en-US"/>
+                <a:t>쾌속 </a:t>
+              </a:r>
+              <a:r>
+                <a:rPr lang="en-US" altLang="ko-KR"/>
+                <a:t>#</a:t>
+              </a:r>
+              <a:r>
+                <a:rPr lang="ko-KR" altLang="en-US"/>
+                <a:t>검기</a:t>
+              </a:r>
+              <a:endParaRPr lang="en-US" altLang="ko-KR"/>
+            </a:p>
+            <a:p>
+              <a:r>
+                <a:rPr lang="en-US" altLang="ko-KR"/>
+                <a:t>#</a:t>
+              </a:r>
+              <a:r>
+                <a:rPr lang="ko-KR" altLang="en-US"/>
+                <a:t>순간이동 후 추가타</a:t>
+              </a:r>
+            </a:p>
+          </p:txBody>
+        </p:sp>
+        <p:sp>
+          <p:nvSpPr>
+            <p:cNvPr id="20" name="TextBox 19">
+              <a:extLst>
+                <a:ext uri="{FF2B5EF4-FFF2-40B4-BE49-F238E27FC236}">
+                  <a16:creationId xmlns:a16="http://schemas.microsoft.com/office/drawing/2014/main" id="{8F05AD57-0D76-48BC-9578-DB3BDDC70EC5}"/>
+                </a:ext>
+              </a:extLst>
+            </p:cNvPr>
+            <p:cNvSpPr txBox="1"/>
+            <p:nvPr/>
+          </p:nvSpPr>
+          <p:spPr>
+            <a:xfrm>
+              <a:off x="7660792" y="3731437"/>
+              <a:ext cx="3251451" cy="646331"/>
+            </a:xfrm>
+            <a:prstGeom prst="rect">
+              <a:avLst/>
+            </a:prstGeom>
+            <a:noFill/>
+          </p:spPr>
+          <p:txBody>
+            <a:bodyPr wrap="square" rtlCol="0">
+              <a:spAutoFit/>
+            </a:bodyPr>
+            <a:lstStyle/>
+            <a:p>
+              <a:r>
+                <a:rPr lang="ko-KR" altLang="en-US" b="1"/>
+                <a:t>글라디우스</a:t>
+              </a:r>
+              <a:endParaRPr lang="en-US" altLang="ko-KR" b="1"/>
+            </a:p>
+            <a:p>
+              <a:r>
+                <a:rPr lang="en-US" altLang="ko-KR"/>
+                <a:t>#</a:t>
+              </a:r>
+              <a:r>
+                <a:rPr lang="ko-KR" altLang="en-US"/>
+                <a:t>악마 </a:t>
+              </a:r>
+              <a:r>
+                <a:rPr lang="en-US" altLang="ko-KR"/>
+                <a:t>#</a:t>
+              </a:r>
+              <a:r>
+                <a:rPr lang="ko-KR" altLang="en-US"/>
+                <a:t>마법 </a:t>
+              </a:r>
+              <a:r>
+                <a:rPr lang="en-US" altLang="ko-KR"/>
+                <a:t>#</a:t>
+              </a:r>
+              <a:r>
+                <a:rPr lang="ko-KR" altLang="en-US"/>
+                <a:t>묵직함</a:t>
+              </a:r>
+              <a:endParaRPr lang="en-US" altLang="ko-KR"/>
+            </a:p>
+          </p:txBody>
+        </p:sp>
+        <p:sp>
+          <p:nvSpPr>
+            <p:cNvPr id="21" name="TextBox 20">
+              <a:extLst>
+                <a:ext uri="{FF2B5EF4-FFF2-40B4-BE49-F238E27FC236}">
+                  <a16:creationId xmlns:a16="http://schemas.microsoft.com/office/drawing/2014/main" id="{7CA64F74-53FD-4D20-9FB9-54036667B59A}"/>
+                </a:ext>
+              </a:extLst>
+            </p:cNvPr>
+            <p:cNvSpPr txBox="1"/>
+            <p:nvPr/>
+          </p:nvSpPr>
+          <p:spPr>
+            <a:xfrm>
+              <a:off x="7660792" y="5322005"/>
+              <a:ext cx="3251451" cy="646331"/>
+            </a:xfrm>
+            <a:prstGeom prst="rect">
+              <a:avLst/>
+            </a:prstGeom>
+            <a:noFill/>
+          </p:spPr>
+          <p:txBody>
+            <a:bodyPr wrap="square" rtlCol="0">
+              <a:spAutoFit/>
+            </a:bodyPr>
+            <a:lstStyle/>
+            <a:p>
+              <a:r>
+                <a:rPr lang="ko-KR" altLang="en-US" b="1"/>
+                <a:t>롱소드</a:t>
+              </a:r>
+              <a:endParaRPr lang="en-US" altLang="ko-KR" b="1"/>
+            </a:p>
+            <a:p>
+              <a:r>
+                <a:rPr lang="en-US" altLang="ko-KR"/>
+                <a:t>#</a:t>
+              </a:r>
+              <a:r>
+                <a:rPr lang="ko-KR" altLang="en-US"/>
+                <a:t>묵직함 </a:t>
+              </a:r>
+              <a:r>
+                <a:rPr lang="en-US" altLang="ko-KR"/>
+                <a:t>#</a:t>
+              </a:r>
+              <a:r>
+                <a:rPr lang="ko-KR" altLang="en-US"/>
+                <a:t>물리</a:t>
+              </a:r>
+            </a:p>
+          </p:txBody>
+        </p:sp>
+      </p:grpSp>
+      <p:sp>
+        <p:nvSpPr>
+          <p:cNvPr id="22" name="TextBox 21">
+            <a:extLst>
+              <a:ext uri="{FF2B5EF4-FFF2-40B4-BE49-F238E27FC236}">
+                <a16:creationId xmlns:a16="http://schemas.microsoft.com/office/drawing/2014/main" id="{FE67A55D-03D2-48A8-92E6-FF0629E73A13}"/>
+              </a:ext>
+            </a:extLst>
+          </p:cNvPr>
+          <p:cNvSpPr txBox="1"/>
+          <p:nvPr/>
+        </p:nvSpPr>
         <p:spPr>
           <a:xfrm>
-            <a:off x="117269" y="816471"/>
-            <a:ext cx="3316487" cy="2810286"/>
-          </a:xfrm>
-          <a:prstGeom prst="rect">
-            <a:avLst/>
-          </a:prstGeom>
-        </p:spPr>
-      </p:pic>
-      <p:pic>
-        <p:nvPicPr>
-          <p:cNvPr id="7" name="그림 6">
-            <a:extLst>
-              <a:ext uri="{FF2B5EF4-FFF2-40B4-BE49-F238E27FC236}">
-                <a16:creationId xmlns:a16="http://schemas.microsoft.com/office/drawing/2014/main" id="{647A3D26-3743-465C-9696-9D2E1918C795}"/>
-              </a:ext>
-            </a:extLst>
-          </p:cNvPr>
-          <p:cNvPicPr>
-            <a:picLocks noChangeAspect="1"/>
-          </p:cNvPicPr>
-          <p:nvPr/>
-        </p:nvPicPr>
-        <p:blipFill>
-          <a:blip r:embed="rId3"/>
-          <a:stretch>
-            <a:fillRect/>
-          </a:stretch>
-        </p:blipFill>
-        <p:spPr>
-          <a:xfrm>
-            <a:off x="106461" y="3796494"/>
-            <a:ext cx="3473584" cy="2784104"/>
-          </a:xfrm>
-          <a:prstGeom prst="rect">
-            <a:avLst/>
-          </a:prstGeom>
-        </p:spPr>
-      </p:pic>
-      <p:pic>
-        <p:nvPicPr>
-          <p:cNvPr id="9" name="그림 8">
-            <a:extLst>
-              <a:ext uri="{FF2B5EF4-FFF2-40B4-BE49-F238E27FC236}">
-                <a16:creationId xmlns:a16="http://schemas.microsoft.com/office/drawing/2014/main" id="{6E00A5BD-8763-4AED-B6DF-EAC8E4AC55E7}"/>
-              </a:ext>
-            </a:extLst>
-          </p:cNvPr>
-          <p:cNvPicPr>
-            <a:picLocks noChangeAspect="1"/>
-          </p:cNvPicPr>
-          <p:nvPr/>
-        </p:nvPicPr>
-        <p:blipFill>
-          <a:blip r:embed="rId4"/>
-          <a:stretch>
-            <a:fillRect/>
-          </a:stretch>
-        </p:blipFill>
-        <p:spPr>
-          <a:xfrm>
-            <a:off x="6526394" y="838289"/>
-            <a:ext cx="3281577" cy="2766649"/>
-          </a:xfrm>
-          <a:prstGeom prst="rect">
-            <a:avLst/>
-          </a:prstGeom>
-        </p:spPr>
-      </p:pic>
-      <p:pic>
-        <p:nvPicPr>
-          <p:cNvPr id="11" name="그림 10">
-            <a:extLst>
-              <a:ext uri="{FF2B5EF4-FFF2-40B4-BE49-F238E27FC236}">
-                <a16:creationId xmlns:a16="http://schemas.microsoft.com/office/drawing/2014/main" id="{01BA4754-0CF2-4E90-8A8A-44A0DB8F7E3C}"/>
-              </a:ext>
-            </a:extLst>
-          </p:cNvPr>
-          <p:cNvPicPr>
-            <a:picLocks noChangeAspect="1"/>
-          </p:cNvPicPr>
-          <p:nvPr/>
-        </p:nvPicPr>
-        <p:blipFill>
-          <a:blip r:embed="rId5"/>
-          <a:stretch>
-            <a:fillRect/>
-          </a:stretch>
-        </p:blipFill>
-        <p:spPr>
-          <a:xfrm>
-            <a:off x="6526394" y="3783403"/>
-            <a:ext cx="3342670" cy="2810286"/>
-          </a:xfrm>
-          <a:prstGeom prst="rect">
-            <a:avLst/>
-          </a:prstGeom>
-        </p:spPr>
-      </p:pic>
-      <p:sp>
-        <p:nvSpPr>
-          <p:cNvPr id="23" name="TextBox 22">
-            <a:extLst>
-              <a:ext uri="{FF2B5EF4-FFF2-40B4-BE49-F238E27FC236}">
-                <a16:creationId xmlns:a16="http://schemas.microsoft.com/office/drawing/2014/main" id="{40505612-D222-4E99-86B4-C37ADDC5348C}"/>
-              </a:ext>
-            </a:extLst>
-          </p:cNvPr>
-          <p:cNvSpPr txBox="1"/>
-          <p:nvPr/>
-        </p:nvSpPr>
-        <p:spPr>
-          <a:xfrm>
-            <a:off x="3580045" y="779722"/>
-            <a:ext cx="2430337" cy="646331"/>
+            <a:off x="0" y="132991"/>
+            <a:ext cx="12191999" cy="369332"/>
           </a:xfrm>
           <a:prstGeom prst="rect">
             <a:avLst/>
@@ -3555,154 +4275,54 @@
           </a:bodyPr>
           <a:lstStyle/>
           <a:p>
-            <a:r>
-              <a:rPr lang="en-US" altLang="ko-KR"/>
-              <a:t>(1)</a:t>
-            </a:r>
-          </a:p>
-          <a:p>
-            <a:r>
-              <a:rPr lang="ko-KR" altLang="en-US"/>
-              <a:t>기본 의상</a:t>
-            </a:r>
-            <a:r>
-              <a:rPr lang="en-US" altLang="ko-KR"/>
+            <a:pPr algn="ctr"/>
+            <a:r>
+              <a:rPr lang="ko-KR" altLang="en-US" b="1">
+                <a:highlight>
+                  <a:srgbClr val="FFFF00"/>
+                </a:highlight>
+              </a:rPr>
+              <a:t>무기는 플레이 스타일을 바꾸고</a:t>
+            </a:r>
+            <a:r>
+              <a:rPr lang="en-US" altLang="ko-KR" b="1">
+                <a:highlight>
+                  <a:srgbClr val="FFFF00"/>
+                </a:highlight>
+              </a:rPr>
+              <a:t>, </a:t>
+            </a:r>
+            <a:r>
+              <a:rPr lang="ko-KR" altLang="en-US" b="1">
+                <a:highlight>
+                  <a:srgbClr val="FFFF00"/>
+                </a:highlight>
+              </a:rPr>
+              <a:t>무기에 따라 사용할 수 있는 스킬에 제한이 생깁니다</a:t>
+            </a:r>
+            <a:r>
+              <a:rPr lang="en-US" altLang="ko-KR" b="1">
+                <a:highlight>
+                  <a:srgbClr val="FFFF00"/>
+                </a:highlight>
+              </a:rPr>
               <a:t>.</a:t>
             </a:r>
-            <a:endParaRPr lang="ko-KR" altLang="en-US"/>
-          </a:p>
-        </p:txBody>
-      </p:sp>
-      <p:sp>
-        <p:nvSpPr>
-          <p:cNvPr id="24" name="TextBox 23">
-            <a:extLst>
-              <a:ext uri="{FF2B5EF4-FFF2-40B4-BE49-F238E27FC236}">
-                <a16:creationId xmlns:a16="http://schemas.microsoft.com/office/drawing/2014/main" id="{19300C7A-3A2D-4D90-828F-5695537D4CE4}"/>
-              </a:ext>
-            </a:extLst>
-          </p:cNvPr>
-          <p:cNvSpPr txBox="1"/>
-          <p:nvPr/>
-        </p:nvSpPr>
-        <p:spPr>
-          <a:xfrm>
-            <a:off x="3665663" y="3783403"/>
-            <a:ext cx="2430337" cy="646331"/>
-          </a:xfrm>
-          <a:prstGeom prst="rect">
-            <a:avLst/>
-          </a:prstGeom>
-          <a:noFill/>
-        </p:spPr>
-        <p:txBody>
-          <a:bodyPr wrap="square" rtlCol="0">
-            <a:spAutoFit/>
-          </a:bodyPr>
-          <a:lstStyle/>
-          <a:p>
-            <a:r>
-              <a:rPr lang="en-US" altLang="ko-KR"/>
-              <a:t>(2)</a:t>
-            </a:r>
-          </a:p>
-          <a:p>
-            <a:r>
-              <a:rPr lang="en-US" altLang="ko-KR"/>
-              <a:t>.</a:t>
-            </a:r>
-            <a:endParaRPr lang="ko-KR" altLang="en-US"/>
-          </a:p>
-        </p:txBody>
-      </p:sp>
-      <p:sp>
-        <p:nvSpPr>
-          <p:cNvPr id="25" name="TextBox 24">
-            <a:extLst>
-              <a:ext uri="{FF2B5EF4-FFF2-40B4-BE49-F238E27FC236}">
-                <a16:creationId xmlns:a16="http://schemas.microsoft.com/office/drawing/2014/main" id="{8ACD280E-E2B8-41C3-88F5-D75D534046F7}"/>
-              </a:ext>
-            </a:extLst>
-          </p:cNvPr>
-          <p:cNvSpPr txBox="1"/>
-          <p:nvPr/>
-        </p:nvSpPr>
-        <p:spPr>
-          <a:xfrm>
-            <a:off x="9869064" y="816471"/>
-            <a:ext cx="2205667" cy="646331"/>
-          </a:xfrm>
-          <a:prstGeom prst="rect">
-            <a:avLst/>
-          </a:prstGeom>
-          <a:noFill/>
-        </p:spPr>
-        <p:txBody>
-          <a:bodyPr wrap="square" rtlCol="0">
-            <a:spAutoFit/>
-          </a:bodyPr>
-          <a:lstStyle/>
-          <a:p>
-            <a:r>
-              <a:rPr lang="en-US" altLang="ko-KR"/>
-              <a:t>(3)</a:t>
-            </a:r>
-          </a:p>
-          <a:p>
-            <a:r>
-              <a:rPr lang="en-US" altLang="ko-KR"/>
-              <a:t>.</a:t>
-            </a:r>
-            <a:endParaRPr lang="ko-KR" altLang="en-US"/>
-          </a:p>
-        </p:txBody>
-      </p:sp>
-      <p:sp>
-        <p:nvSpPr>
-          <p:cNvPr id="26" name="TextBox 25">
-            <a:extLst>
-              <a:ext uri="{FF2B5EF4-FFF2-40B4-BE49-F238E27FC236}">
-                <a16:creationId xmlns:a16="http://schemas.microsoft.com/office/drawing/2014/main" id="{219928B9-5F90-4135-A172-AE67FF9129FB}"/>
-              </a:ext>
-            </a:extLst>
-          </p:cNvPr>
-          <p:cNvSpPr txBox="1"/>
-          <p:nvPr/>
-        </p:nvSpPr>
-        <p:spPr>
-          <a:xfrm>
-            <a:off x="9869064" y="3783402"/>
-            <a:ext cx="2216475" cy="646331"/>
-          </a:xfrm>
-          <a:prstGeom prst="rect">
-            <a:avLst/>
-          </a:prstGeom>
-          <a:noFill/>
-        </p:spPr>
-        <p:txBody>
-          <a:bodyPr wrap="square" rtlCol="0">
-            <a:spAutoFit/>
-          </a:bodyPr>
-          <a:lstStyle/>
-          <a:p>
-            <a:r>
-              <a:rPr lang="en-US" altLang="ko-KR"/>
-              <a:t>(4)</a:t>
-            </a:r>
-          </a:p>
-          <a:p>
-            <a:r>
-              <a:rPr lang="en-US" altLang="ko-KR"/>
-              <a:t>.</a:t>
-            </a:r>
-            <a:endParaRPr lang="ko-KR" altLang="en-US"/>
+            <a:r>
+              <a:rPr lang="ko-KR" altLang="en-US" b="1">
+                <a:highlight>
+                  <a:srgbClr val="FFFF00"/>
+                </a:highlight>
+              </a:rPr>
+              <a:t> </a:t>
+            </a:r>
           </a:p>
         </p:txBody>
       </p:sp>
     </p:spTree>
     <p:extLst>
       <p:ext uri="{BB962C8B-B14F-4D97-AF65-F5344CB8AC3E}">
-        <p14:creationId xmlns:p14="http://schemas.microsoft.com/office/powerpoint/2010/main" val="3878482240"/>
+        <p14:creationId xmlns:p14="http://schemas.microsoft.com/office/powerpoint/2010/main" val="3593060938"/>
       </p:ext>
     </p:extLst>
   </p:cSld>
@@ -3731,10 +4351,10 @@
       </p:grpSpPr>
       <p:pic>
         <p:nvPicPr>
-          <p:cNvPr id="4" name="그림 3">
-            <a:extLst>
-              <a:ext uri="{FF2B5EF4-FFF2-40B4-BE49-F238E27FC236}">
-                <a16:creationId xmlns:a16="http://schemas.microsoft.com/office/drawing/2014/main" id="{3A501DC8-EAB7-48D6-A27D-6AE44B758238}"/>
+          <p:cNvPr id="5" name="그림 4">
+            <a:extLst>
+              <a:ext uri="{FF2B5EF4-FFF2-40B4-BE49-F238E27FC236}">
+                <a16:creationId xmlns:a16="http://schemas.microsoft.com/office/drawing/2014/main" id="{F6AC6332-1453-443D-A618-4B4927280245}"/>
               </a:ext>
             </a:extLst>
           </p:cNvPr>
@@ -3744,75 +4364,27 @@
           <p:nvPr/>
         </p:nvPicPr>
         <p:blipFill>
-          <a:blip r:embed="rId2"/>
+          <a:blip r:embed="rId2">
+            <a:extLst>
+              <a:ext uri="{BEBA8EAE-BF5A-486C-A8C5-ECC9F3942E4B}">
+                <a14:imgProps xmlns:a14="http://schemas.microsoft.com/office/drawing/2010/main">
+                  <a14:imgLayer r:embed="rId3">
+                    <a14:imgEffect>
+                      <a14:brightnessContrast bright="40000"/>
+                    </a14:imgEffect>
+                  </a14:imgLayer>
+                </a14:imgProps>
+              </a:ext>
+            </a:extLst>
+          </a:blip>
           <a:stretch>
             <a:fillRect/>
           </a:stretch>
         </p:blipFill>
         <p:spPr>
           <a:xfrm>
-            <a:off x="123468" y="607604"/>
-            <a:ext cx="3211145" cy="2577479"/>
-          </a:xfrm>
-          <a:prstGeom prst="rect">
-            <a:avLst/>
-          </a:prstGeom>
-        </p:spPr>
-      </p:pic>
-      <p:pic>
-        <p:nvPicPr>
-          <p:cNvPr id="5" name="그림 4">
-            <a:extLst>
-              <a:ext uri="{FF2B5EF4-FFF2-40B4-BE49-F238E27FC236}">
-                <a16:creationId xmlns:a16="http://schemas.microsoft.com/office/drawing/2014/main" id="{2FBAB2CB-941C-46E4-9317-35EADC322131}"/>
-              </a:ext>
-            </a:extLst>
-          </p:cNvPr>
-          <p:cNvPicPr>
-            <a:picLocks noChangeAspect="1"/>
-          </p:cNvPicPr>
-          <p:nvPr/>
-        </p:nvPicPr>
-        <p:blipFill>
-          <a:blip r:embed="rId3"/>
-          <a:stretch>
-            <a:fillRect/>
-          </a:stretch>
-        </p:blipFill>
-        <p:spPr>
-          <a:xfrm>
-            <a:off x="123468" y="3527346"/>
-            <a:ext cx="3159766" cy="2723050"/>
-          </a:xfrm>
-          <a:prstGeom prst="rect">
-            <a:avLst/>
-          </a:prstGeom>
-        </p:spPr>
-      </p:pic>
-      <p:pic>
-        <p:nvPicPr>
-          <p:cNvPr id="6" name="그림 5">
-            <a:extLst>
-              <a:ext uri="{FF2B5EF4-FFF2-40B4-BE49-F238E27FC236}">
-                <a16:creationId xmlns:a16="http://schemas.microsoft.com/office/drawing/2014/main" id="{ACB8F777-B729-4D03-867F-45BEDA95CC76}"/>
-              </a:ext>
-            </a:extLst>
-          </p:cNvPr>
-          <p:cNvPicPr>
-            <a:picLocks noChangeAspect="1"/>
-          </p:cNvPicPr>
-          <p:nvPr/>
-        </p:nvPicPr>
-        <p:blipFill>
-          <a:blip r:embed="rId4"/>
-          <a:stretch>
-            <a:fillRect/>
-          </a:stretch>
-        </p:blipFill>
-        <p:spPr>
-          <a:xfrm>
-            <a:off x="6000784" y="607604"/>
-            <a:ext cx="3022758" cy="2560353"/>
+            <a:off x="4168688" y="627197"/>
+            <a:ext cx="1790043" cy="1516826"/>
           </a:xfrm>
           <a:prstGeom prst="rect">
             <a:avLst/>
@@ -3824,7 +4396,259 @@
           <p:cNvPr id="7" name="그림 6">
             <a:extLst>
               <a:ext uri="{FF2B5EF4-FFF2-40B4-BE49-F238E27FC236}">
-                <a16:creationId xmlns:a16="http://schemas.microsoft.com/office/drawing/2014/main" id="{E6285EE9-6B77-4636-8857-759CC190A9D2}"/>
+                <a16:creationId xmlns:a16="http://schemas.microsoft.com/office/drawing/2014/main" id="{647A3D26-3743-465C-9696-9D2E1918C795}"/>
+              </a:ext>
+            </a:extLst>
+          </p:cNvPr>
+          <p:cNvPicPr>
+            <a:picLocks noChangeAspect="1"/>
+          </p:cNvPicPr>
+          <p:nvPr/>
+        </p:nvPicPr>
+        <p:blipFill>
+          <a:blip r:embed="rId4">
+            <a:extLst>
+              <a:ext uri="{BEBA8EAE-BF5A-486C-A8C5-ECC9F3942E4B}">
+                <a14:imgProps xmlns:a14="http://schemas.microsoft.com/office/drawing/2010/main">
+                  <a14:imgLayer r:embed="rId5">
+                    <a14:imgEffect>
+                      <a14:brightnessContrast bright="40000"/>
+                    </a14:imgEffect>
+                  </a14:imgLayer>
+                </a14:imgProps>
+              </a:ext>
+            </a:extLst>
+          </a:blip>
+          <a:stretch>
+            <a:fillRect/>
+          </a:stretch>
+        </p:blipFill>
+        <p:spPr>
+          <a:xfrm>
+            <a:off x="6129634" y="626890"/>
+            <a:ext cx="1874836" cy="1502695"/>
+          </a:xfrm>
+          <a:prstGeom prst="rect">
+            <a:avLst/>
+          </a:prstGeom>
+        </p:spPr>
+      </p:pic>
+      <p:pic>
+        <p:nvPicPr>
+          <p:cNvPr id="9" name="그림 8">
+            <a:extLst>
+              <a:ext uri="{FF2B5EF4-FFF2-40B4-BE49-F238E27FC236}">
+                <a16:creationId xmlns:a16="http://schemas.microsoft.com/office/drawing/2014/main" id="{6E00A5BD-8763-4AED-B6DF-EAC8E4AC55E7}"/>
+              </a:ext>
+            </a:extLst>
+          </p:cNvPr>
+          <p:cNvPicPr>
+            <a:picLocks noChangeAspect="1"/>
+          </p:cNvPicPr>
+          <p:nvPr/>
+        </p:nvPicPr>
+        <p:blipFill>
+          <a:blip r:embed="rId6">
+            <a:extLst>
+              <a:ext uri="{BEBA8EAE-BF5A-486C-A8C5-ECC9F3942E4B}">
+                <a14:imgProps xmlns:a14="http://schemas.microsoft.com/office/drawing/2010/main">
+                  <a14:imgLayer r:embed="rId7">
+                    <a14:imgEffect>
+                      <a14:brightnessContrast bright="40000"/>
+                    </a14:imgEffect>
+                  </a14:imgLayer>
+                </a14:imgProps>
+              </a:ext>
+            </a:extLst>
+          </a:blip>
+          <a:stretch>
+            <a:fillRect/>
+          </a:stretch>
+        </p:blipFill>
+        <p:spPr>
+          <a:xfrm>
+            <a:off x="6233269" y="2220031"/>
+            <a:ext cx="1771201" cy="1493273"/>
+          </a:xfrm>
+          <a:prstGeom prst="rect">
+            <a:avLst/>
+          </a:prstGeom>
+        </p:spPr>
+      </p:pic>
+      <p:pic>
+        <p:nvPicPr>
+          <p:cNvPr id="11" name="그림 10">
+            <a:extLst>
+              <a:ext uri="{FF2B5EF4-FFF2-40B4-BE49-F238E27FC236}">
+                <a16:creationId xmlns:a16="http://schemas.microsoft.com/office/drawing/2014/main" id="{01BA4754-0CF2-4E90-8A8A-44A0DB8F7E3C}"/>
+              </a:ext>
+            </a:extLst>
+          </p:cNvPr>
+          <p:cNvPicPr>
+            <a:picLocks noChangeAspect="1"/>
+          </p:cNvPicPr>
+          <p:nvPr/>
+        </p:nvPicPr>
+        <p:blipFill>
+          <a:blip r:embed="rId8">
+            <a:extLst>
+              <a:ext uri="{BEBA8EAE-BF5A-486C-A8C5-ECC9F3942E4B}">
+                <a14:imgProps xmlns:a14="http://schemas.microsoft.com/office/drawing/2010/main">
+                  <a14:imgLayer r:embed="rId9">
+                    <a14:imgEffect>
+                      <a14:brightnessContrast bright="40000"/>
+                    </a14:imgEffect>
+                  </a14:imgLayer>
+                </a14:imgProps>
+              </a:ext>
+            </a:extLst>
+          </a:blip>
+          <a:stretch>
+            <a:fillRect/>
+          </a:stretch>
+        </p:blipFill>
+        <p:spPr>
+          <a:xfrm>
+            <a:off x="4187528" y="5313737"/>
+            <a:ext cx="1804175" cy="1516826"/>
+          </a:xfrm>
+          <a:prstGeom prst="rect">
+            <a:avLst/>
+          </a:prstGeom>
+        </p:spPr>
+      </p:pic>
+      <p:pic>
+        <p:nvPicPr>
+          <p:cNvPr id="10" name="그림 9">
+            <a:extLst>
+              <a:ext uri="{FF2B5EF4-FFF2-40B4-BE49-F238E27FC236}">
+                <a16:creationId xmlns:a16="http://schemas.microsoft.com/office/drawing/2014/main" id="{90E760AA-2034-45DC-8265-99EBD0616793}"/>
+              </a:ext>
+            </a:extLst>
+          </p:cNvPr>
+          <p:cNvPicPr>
+            <a:picLocks noChangeAspect="1"/>
+          </p:cNvPicPr>
+          <p:nvPr/>
+        </p:nvPicPr>
+        <p:blipFill>
+          <a:blip r:embed="rId10">
+            <a:extLst>
+              <a:ext uri="{BEBA8EAE-BF5A-486C-A8C5-ECC9F3942E4B}">
+                <a14:imgProps xmlns:a14="http://schemas.microsoft.com/office/drawing/2010/main">
+                  <a14:imgLayer r:embed="rId11">
+                    <a14:imgEffect>
+                      <a14:brightnessContrast bright="40000"/>
+                    </a14:imgEffect>
+                  </a14:imgLayer>
+                </a14:imgProps>
+              </a:ext>
+            </a:extLst>
+          </a:blip>
+          <a:stretch>
+            <a:fillRect/>
+          </a:stretch>
+        </p:blipFill>
+        <p:spPr>
+          <a:xfrm>
+            <a:off x="4187528" y="3801595"/>
+            <a:ext cx="1835686" cy="1473444"/>
+          </a:xfrm>
+          <a:prstGeom prst="rect">
+            <a:avLst/>
+          </a:prstGeom>
+        </p:spPr>
+      </p:pic>
+      <p:pic>
+        <p:nvPicPr>
+          <p:cNvPr id="12" name="그림 11">
+            <a:extLst>
+              <a:ext uri="{FF2B5EF4-FFF2-40B4-BE49-F238E27FC236}">
+                <a16:creationId xmlns:a16="http://schemas.microsoft.com/office/drawing/2014/main" id="{7EED87C8-51D0-4854-AFC7-E0BFD45C1973}"/>
+              </a:ext>
+            </a:extLst>
+          </p:cNvPr>
+          <p:cNvPicPr>
+            <a:picLocks noChangeAspect="1"/>
+          </p:cNvPicPr>
+          <p:nvPr/>
+        </p:nvPicPr>
+        <p:blipFill>
+          <a:blip r:embed="rId12">
+            <a:extLst>
+              <a:ext uri="{BEBA8EAE-BF5A-486C-A8C5-ECC9F3942E4B}">
+                <a14:imgProps xmlns:a14="http://schemas.microsoft.com/office/drawing/2010/main">
+                  <a14:imgLayer r:embed="rId13">
+                    <a14:imgEffect>
+                      <a14:brightnessContrast bright="40000"/>
+                    </a14:imgEffect>
+                  </a14:imgLayer>
+                </a14:imgProps>
+              </a:ext>
+            </a:extLst>
+          </a:blip>
+          <a:stretch>
+            <a:fillRect/>
+          </a:stretch>
+        </p:blipFill>
+        <p:spPr>
+          <a:xfrm>
+            <a:off x="4168688" y="2175057"/>
+            <a:ext cx="1806314" cy="1556661"/>
+          </a:xfrm>
+          <a:prstGeom prst="rect">
+            <a:avLst/>
+          </a:prstGeom>
+        </p:spPr>
+      </p:pic>
+      <p:pic>
+        <p:nvPicPr>
+          <p:cNvPr id="13" name="그림 12">
+            <a:extLst>
+              <a:ext uri="{FF2B5EF4-FFF2-40B4-BE49-F238E27FC236}">
+                <a16:creationId xmlns:a16="http://schemas.microsoft.com/office/drawing/2014/main" id="{C66A0B78-4153-4AF3-93C1-17EFBAA83A3E}"/>
+              </a:ext>
+            </a:extLst>
+          </p:cNvPr>
+          <p:cNvPicPr>
+            <a:picLocks noChangeAspect="1"/>
+          </p:cNvPicPr>
+          <p:nvPr/>
+        </p:nvPicPr>
+        <p:blipFill>
+          <a:blip r:embed="rId14">
+            <a:extLst>
+              <a:ext uri="{BEBA8EAE-BF5A-486C-A8C5-ECC9F3942E4B}">
+                <a14:imgProps xmlns:a14="http://schemas.microsoft.com/office/drawing/2010/main">
+                  <a14:imgLayer r:embed="rId15">
+                    <a14:imgEffect>
+                      <a14:brightnessContrast bright="40000"/>
+                    </a14:imgEffect>
+                  </a14:imgLayer>
+                </a14:imgProps>
+              </a:ext>
+            </a:extLst>
+          </a:blip>
+          <a:stretch>
+            <a:fillRect/>
+          </a:stretch>
+        </p:blipFill>
+        <p:spPr>
+          <a:xfrm>
+            <a:off x="6276477" y="5340484"/>
+            <a:ext cx="1727993" cy="1463654"/>
+          </a:xfrm>
+          <a:prstGeom prst="rect">
+            <a:avLst/>
+          </a:prstGeom>
+        </p:spPr>
+      </p:pic>
+      <p:pic>
+        <p:nvPicPr>
+          <p:cNvPr id="14" name="그림 13">
+            <a:extLst>
+              <a:ext uri="{FF2B5EF4-FFF2-40B4-BE49-F238E27FC236}">
+                <a16:creationId xmlns:a16="http://schemas.microsoft.com/office/drawing/2014/main" id="{A013B21D-69CB-46A8-BA53-CB990A0AB186}"/>
               </a:ext>
             </a:extLst>
           </p:cNvPr>
@@ -3834,14 +4658,26 @@
           <p:nvPr/>
         </p:nvPicPr>
         <p:blipFill rotWithShape="1">
-          <a:blip r:embed="rId5"/>
+          <a:blip r:embed="rId16">
+            <a:extLst>
+              <a:ext uri="{BEBA8EAE-BF5A-486C-A8C5-ECC9F3942E4B}">
+                <a14:imgProps xmlns:a14="http://schemas.microsoft.com/office/drawing/2010/main">
+                  <a14:imgLayer r:embed="rId17">
+                    <a14:imgEffect>
+                      <a14:brightnessContrast bright="40000"/>
+                    </a14:imgEffect>
+                  </a14:imgLayer>
+                </a14:imgProps>
+              </a:ext>
+            </a:extLst>
+          </a:blip>
           <a:srcRect r="18960"/>
           <a:stretch/>
         </p:blipFill>
         <p:spPr>
           <a:xfrm>
-            <a:off x="6000784" y="3527346"/>
-            <a:ext cx="3282364" cy="2611731"/>
+            <a:off x="6129634" y="3809525"/>
+            <a:ext cx="1876400" cy="1493025"/>
           </a:xfrm>
           <a:prstGeom prst="rect">
             <a:avLst/>
@@ -3850,10 +4686,10 @@
       </p:pic>
       <p:sp>
         <p:nvSpPr>
-          <p:cNvPr id="8" name="TextBox 7">
-            <a:extLst>
-              <a:ext uri="{FF2B5EF4-FFF2-40B4-BE49-F238E27FC236}">
-                <a16:creationId xmlns:a16="http://schemas.microsoft.com/office/drawing/2014/main" id="{0F85BD18-9BAE-4DE8-A82A-CEB21525A356}"/>
+          <p:cNvPr id="15" name="TextBox 14">
+            <a:extLst>
+              <a:ext uri="{FF2B5EF4-FFF2-40B4-BE49-F238E27FC236}">
+                <a16:creationId xmlns:a16="http://schemas.microsoft.com/office/drawing/2014/main" id="{137D2126-463E-4DAF-B8BC-C84E943A9FDA}"/>
               </a:ext>
             </a:extLst>
           </p:cNvPr>
@@ -3862,8 +4698,8 @@
         </p:nvSpPr>
         <p:spPr>
           <a:xfrm>
-            <a:off x="3334613" y="718923"/>
-            <a:ext cx="2430337" cy="646331"/>
+            <a:off x="936079" y="648999"/>
+            <a:ext cx="3251451" cy="646331"/>
           </a:xfrm>
           <a:prstGeom prst="rect">
             <a:avLst/>
@@ -3876,30 +4712,44 @@
           </a:bodyPr>
           <a:lstStyle/>
           <a:p>
+            <a:pPr algn="r"/>
+            <a:r>
+              <a:rPr lang="ko-KR" altLang="en-US" b="1"/>
+              <a:t>모험가 갑옷</a:t>
+            </a:r>
+            <a:r>
+              <a:rPr lang="en-US" altLang="ko-KR" b="1"/>
+              <a:t> [</a:t>
+            </a:r>
+            <a:r>
+              <a:rPr lang="ko-KR" altLang="en-US" b="1"/>
+              <a:t>기본 장착</a:t>
+            </a:r>
+            <a:r>
+              <a:rPr lang="en-US" altLang="ko-KR" b="1"/>
+              <a:t>]</a:t>
+            </a:r>
+          </a:p>
+          <a:p>
+            <a:pPr algn="r"/>
             <a:r>
               <a:rPr lang="en-US" altLang="ko-KR"/>
-              <a:t>(5)</a:t>
-            </a:r>
-          </a:p>
-          <a:p>
-            <a:r>
-              <a:rPr lang="ko-KR" altLang="en-US"/>
-              <a:t>기본 의상</a:t>
-            </a:r>
-            <a:r>
-              <a:rPr lang="en-US" altLang="ko-KR"/>
-              <a:t>.</a:t>
-            </a:r>
-            <a:endParaRPr lang="ko-KR" altLang="en-US"/>
-          </a:p>
-        </p:txBody>
-      </p:sp>
-      <p:sp>
-        <p:nvSpPr>
-          <p:cNvPr id="9" name="TextBox 8">
-            <a:extLst>
-              <a:ext uri="{FF2B5EF4-FFF2-40B4-BE49-F238E27FC236}">
-                <a16:creationId xmlns:a16="http://schemas.microsoft.com/office/drawing/2014/main" id="{F138988E-EC96-4CB6-994C-672AD7224005}"/>
+              <a:t>#</a:t>
+            </a:r>
+            <a:r>
+              <a:rPr lang="ko-KR" altLang="en-US"/>
+              <a:t>구르기</a:t>
+            </a:r>
+            <a:endParaRPr lang="en-US" altLang="ko-KR"/>
+          </a:p>
+        </p:txBody>
+      </p:sp>
+      <p:sp>
+        <p:nvSpPr>
+          <p:cNvPr id="16" name="TextBox 15">
+            <a:extLst>
+              <a:ext uri="{FF2B5EF4-FFF2-40B4-BE49-F238E27FC236}">
+                <a16:creationId xmlns:a16="http://schemas.microsoft.com/office/drawing/2014/main" id="{A824F497-A6FC-431F-9F3F-60CF342D1AFF}"/>
               </a:ext>
             </a:extLst>
           </p:cNvPr>
@@ -3908,8 +4758,8 @@
         </p:nvSpPr>
         <p:spPr>
           <a:xfrm>
-            <a:off x="3420231" y="3722604"/>
-            <a:ext cx="2430337" cy="646331"/>
+            <a:off x="936080" y="2225297"/>
+            <a:ext cx="3251451" cy="923330"/>
           </a:xfrm>
           <a:prstGeom prst="rect">
             <a:avLst/>
@@ -3922,26 +4772,45 @@
           </a:bodyPr>
           <a:lstStyle/>
           <a:p>
+            <a:pPr algn="r"/>
+            <a:r>
+              <a:rPr lang="ko-KR" altLang="en-US" b="1"/>
+              <a:t>단단한 가죽 갑옷</a:t>
+            </a:r>
+            <a:endParaRPr lang="en-US" altLang="ko-KR" b="1"/>
+          </a:p>
+          <a:p>
+            <a:pPr algn="r"/>
             <a:r>
               <a:rPr lang="en-US" altLang="ko-KR"/>
-              <a:t>(6)</a:t>
-            </a:r>
-          </a:p>
-          <a:p>
+              <a:t>#</a:t>
+            </a:r>
+            <a:r>
+              <a:rPr lang="ko-KR" altLang="en-US"/>
+              <a:t>대시</a:t>
+            </a:r>
+            <a:endParaRPr lang="en-US" altLang="ko-KR"/>
+          </a:p>
+          <a:p>
+            <a:pPr algn="r"/>
             <a:r>
               <a:rPr lang="en-US" altLang="ko-KR"/>
-              <a:t>.</a:t>
-            </a:r>
-            <a:endParaRPr lang="ko-KR" altLang="en-US"/>
-          </a:p>
-        </p:txBody>
-      </p:sp>
-      <p:sp>
-        <p:nvSpPr>
-          <p:cNvPr id="10" name="TextBox 9">
-            <a:extLst>
-              <a:ext uri="{FF2B5EF4-FFF2-40B4-BE49-F238E27FC236}">
-                <a16:creationId xmlns:a16="http://schemas.microsoft.com/office/drawing/2014/main" id="{BEB0EDAF-E727-4426-A70A-652BA4EACA2C}"/>
+              <a:t>#</a:t>
+            </a:r>
+            <a:r>
+              <a:rPr lang="ko-KR" altLang="en-US"/>
+              <a:t>회피율 강화</a:t>
+            </a:r>
+            <a:endParaRPr lang="en-US" altLang="ko-KR"/>
+          </a:p>
+        </p:txBody>
+      </p:sp>
+      <p:sp>
+        <p:nvSpPr>
+          <p:cNvPr id="17" name="TextBox 16">
+            <a:extLst>
+              <a:ext uri="{FF2B5EF4-FFF2-40B4-BE49-F238E27FC236}">
+                <a16:creationId xmlns:a16="http://schemas.microsoft.com/office/drawing/2014/main" id="{8D5CDDB3-43DE-4163-9B93-C0FD739497D5}"/>
               </a:ext>
             </a:extLst>
           </p:cNvPr>
@@ -3950,8 +4819,8 @@
         </p:nvSpPr>
         <p:spPr>
           <a:xfrm>
-            <a:off x="9623632" y="755672"/>
-            <a:ext cx="2205667" cy="646331"/>
+            <a:off x="936078" y="3771590"/>
+            <a:ext cx="3251451" cy="923330"/>
           </a:xfrm>
           <a:prstGeom prst="rect">
             <a:avLst/>
@@ -3964,26 +4833,44 @@
           </a:bodyPr>
           <a:lstStyle/>
           <a:p>
+            <a:pPr algn="r"/>
+            <a:r>
+              <a:rPr lang="ko-KR" altLang="en-US" b="1"/>
+              <a:t>현자의 로브</a:t>
+            </a:r>
+            <a:endParaRPr lang="en-US" altLang="ko-KR" b="1"/>
+          </a:p>
+          <a:p>
+            <a:pPr algn="r"/>
             <a:r>
               <a:rPr lang="en-US" altLang="ko-KR"/>
-              <a:t>(7)</a:t>
-            </a:r>
-          </a:p>
-          <a:p>
+              <a:t>#</a:t>
+            </a:r>
+            <a:r>
+              <a:rPr lang="ko-KR" altLang="en-US"/>
+              <a:t>순간이동</a:t>
+            </a:r>
+            <a:endParaRPr lang="en-US" altLang="ko-KR"/>
+          </a:p>
+          <a:p>
+            <a:pPr algn="r"/>
             <a:r>
               <a:rPr lang="en-US" altLang="ko-KR"/>
-              <a:t>.</a:t>
-            </a:r>
-            <a:endParaRPr lang="ko-KR" altLang="en-US"/>
-          </a:p>
-        </p:txBody>
-      </p:sp>
-      <p:sp>
-        <p:nvSpPr>
-          <p:cNvPr id="11" name="TextBox 10">
-            <a:extLst>
-              <a:ext uri="{FF2B5EF4-FFF2-40B4-BE49-F238E27FC236}">
-                <a16:creationId xmlns:a16="http://schemas.microsoft.com/office/drawing/2014/main" id="{E48CE0BD-DAE6-414C-9FD5-DAA71D83C80A}"/>
+              <a:t>#</a:t>
+            </a:r>
+            <a:r>
+              <a:rPr lang="ko-KR" altLang="en-US"/>
+              <a:t>쿨타임 감소</a:t>
+            </a:r>
+          </a:p>
+        </p:txBody>
+      </p:sp>
+      <p:sp>
+        <p:nvSpPr>
+          <p:cNvPr id="18" name="TextBox 17">
+            <a:extLst>
+              <a:ext uri="{FF2B5EF4-FFF2-40B4-BE49-F238E27FC236}">
+                <a16:creationId xmlns:a16="http://schemas.microsoft.com/office/drawing/2014/main" id="{9B0AC3F0-CF3D-4669-8DF4-1F589D56AD2B}"/>
               </a:ext>
             </a:extLst>
           </p:cNvPr>
@@ -3992,8 +4879,8 @@
         </p:nvSpPr>
         <p:spPr>
           <a:xfrm>
-            <a:off x="9433364" y="3527346"/>
-            <a:ext cx="2216475" cy="646331"/>
+            <a:off x="936077" y="5357593"/>
+            <a:ext cx="3251451" cy="923330"/>
           </a:xfrm>
           <a:prstGeom prst="rect">
             <a:avLst/>
@@ -4006,24 +4893,340 @@
           </a:bodyPr>
           <a:lstStyle/>
           <a:p>
+            <a:pPr algn="r"/>
+            <a:r>
+              <a:rPr lang="ko-KR" altLang="en-US" b="1"/>
+              <a:t>호쾌함의 갑옷</a:t>
+            </a:r>
+            <a:endParaRPr lang="en-US" altLang="ko-KR" b="1"/>
+          </a:p>
+          <a:p>
+            <a:pPr algn="r"/>
             <a:r>
               <a:rPr lang="en-US" altLang="ko-KR"/>
-              <a:t>(8)</a:t>
-            </a:r>
-          </a:p>
-          <a:p>
+              <a:t>#</a:t>
+            </a:r>
+            <a:r>
+              <a:rPr lang="ko-KR" altLang="en-US"/>
+              <a:t>대시</a:t>
+            </a:r>
+            <a:endParaRPr lang="en-US" altLang="ko-KR"/>
+          </a:p>
+          <a:p>
+            <a:pPr algn="r"/>
             <a:r>
               <a:rPr lang="en-US" altLang="ko-KR"/>
+              <a:t>#</a:t>
+            </a:r>
+            <a:r>
+              <a:rPr lang="ko-KR" altLang="en-US"/>
+              <a:t>민첩성 강화</a:t>
+            </a:r>
+          </a:p>
+        </p:txBody>
+      </p:sp>
+      <p:sp>
+        <p:nvSpPr>
+          <p:cNvPr id="19" name="TextBox 18">
+            <a:extLst>
+              <a:ext uri="{FF2B5EF4-FFF2-40B4-BE49-F238E27FC236}">
+                <a16:creationId xmlns:a16="http://schemas.microsoft.com/office/drawing/2014/main" id="{B1DC3725-5E9F-4FEF-92AC-BD5832DA52E3}"/>
+              </a:ext>
+            </a:extLst>
+          </p:cNvPr>
+          <p:cNvSpPr txBox="1"/>
+          <p:nvPr/>
+        </p:nvSpPr>
+        <p:spPr>
+          <a:xfrm>
+            <a:off x="8004471" y="651815"/>
+            <a:ext cx="3251451" cy="923330"/>
+          </a:xfrm>
+          <a:prstGeom prst="rect">
+            <a:avLst/>
+          </a:prstGeom>
+          <a:noFill/>
+        </p:spPr>
+        <p:txBody>
+          <a:bodyPr wrap="square" rtlCol="0">
+            <a:spAutoFit/>
+          </a:bodyPr>
+          <a:lstStyle/>
+          <a:p>
+            <a:r>
+              <a:rPr lang="ko-KR" altLang="en-US" b="1"/>
+              <a:t>지혜의 갑옷</a:t>
+            </a:r>
+            <a:endParaRPr lang="en-US" altLang="ko-KR" b="1"/>
+          </a:p>
+          <a:p>
+            <a:r>
+              <a:rPr lang="en-US" altLang="ko-KR"/>
+              <a:t>#</a:t>
+            </a:r>
+            <a:r>
+              <a:rPr lang="ko-KR" altLang="en-US"/>
+              <a:t>구르기</a:t>
+            </a:r>
+            <a:endParaRPr lang="en-US" altLang="ko-KR"/>
+          </a:p>
+          <a:p>
+            <a:r>
+              <a:rPr lang="en-US" altLang="ko-KR"/>
+              <a:t>#</a:t>
+            </a:r>
+            <a:r>
+              <a:rPr lang="ko-KR" altLang="en-US"/>
+              <a:t>구르기 중 마나회복</a:t>
+            </a:r>
+          </a:p>
+        </p:txBody>
+      </p:sp>
+      <p:sp>
+        <p:nvSpPr>
+          <p:cNvPr id="20" name="TextBox 19">
+            <a:extLst>
+              <a:ext uri="{FF2B5EF4-FFF2-40B4-BE49-F238E27FC236}">
+                <a16:creationId xmlns:a16="http://schemas.microsoft.com/office/drawing/2014/main" id="{2E9B409B-B7C8-4056-A11B-2C57596EA09A}"/>
+              </a:ext>
+            </a:extLst>
+          </p:cNvPr>
+          <p:cNvSpPr txBox="1"/>
+          <p:nvPr/>
+        </p:nvSpPr>
+        <p:spPr>
+          <a:xfrm>
+            <a:off x="8004472" y="2220031"/>
+            <a:ext cx="3251451" cy="923330"/>
+          </a:xfrm>
+          <a:prstGeom prst="rect">
+            <a:avLst/>
+          </a:prstGeom>
+          <a:noFill/>
+        </p:spPr>
+        <p:txBody>
+          <a:bodyPr wrap="square" rtlCol="0">
+            <a:spAutoFit/>
+          </a:bodyPr>
+          <a:lstStyle/>
+          <a:p>
+            <a:r>
+              <a:rPr lang="ko-KR" altLang="en-US" b="1"/>
+              <a:t>암살자의 갑옷</a:t>
+            </a:r>
+            <a:endParaRPr lang="en-US" altLang="ko-KR" b="1"/>
+          </a:p>
+          <a:p>
+            <a:r>
+              <a:rPr lang="en-US" altLang="ko-KR"/>
+              <a:t>#</a:t>
+            </a:r>
+            <a:r>
+              <a:rPr lang="ko-KR" altLang="en-US"/>
+              <a:t>순간이동</a:t>
+            </a:r>
+            <a:endParaRPr lang="en-US" altLang="ko-KR"/>
+          </a:p>
+          <a:p>
+            <a:r>
+              <a:rPr lang="en-US" altLang="ko-KR"/>
+              <a:t>#</a:t>
+            </a:r>
+            <a:r>
+              <a:rPr lang="ko-KR" altLang="en-US"/>
+              <a:t>크리티컬 강화</a:t>
+            </a:r>
+            <a:endParaRPr lang="en-US" altLang="ko-KR"/>
+          </a:p>
+        </p:txBody>
+      </p:sp>
+      <p:sp>
+        <p:nvSpPr>
+          <p:cNvPr id="21" name="TextBox 20">
+            <a:extLst>
+              <a:ext uri="{FF2B5EF4-FFF2-40B4-BE49-F238E27FC236}">
+                <a16:creationId xmlns:a16="http://schemas.microsoft.com/office/drawing/2014/main" id="{42894E40-F79C-4897-AD1B-95755E536FE3}"/>
+              </a:ext>
+            </a:extLst>
+          </p:cNvPr>
+          <p:cNvSpPr txBox="1"/>
+          <p:nvPr/>
+        </p:nvSpPr>
+        <p:spPr>
+          <a:xfrm>
+            <a:off x="8004473" y="3771591"/>
+            <a:ext cx="3251451" cy="923330"/>
+          </a:xfrm>
+          <a:prstGeom prst="rect">
+            <a:avLst/>
+          </a:prstGeom>
+          <a:noFill/>
+        </p:spPr>
+        <p:txBody>
+          <a:bodyPr wrap="square" rtlCol="0">
+            <a:spAutoFit/>
+          </a:bodyPr>
+          <a:lstStyle/>
+          <a:p>
+            <a:r>
+              <a:rPr lang="ko-KR" altLang="en-US" b="1"/>
+              <a:t>타락한 갑옷</a:t>
+            </a:r>
+            <a:endParaRPr lang="en-US" altLang="ko-KR" b="1"/>
+          </a:p>
+          <a:p>
+            <a:r>
+              <a:rPr lang="en-US" altLang="ko-KR"/>
+              <a:t>#</a:t>
+            </a:r>
+            <a:r>
+              <a:rPr lang="ko-KR" altLang="en-US"/>
+              <a:t>구르기</a:t>
+            </a:r>
+            <a:endParaRPr lang="en-US" altLang="ko-KR"/>
+          </a:p>
+          <a:p>
+            <a:r>
+              <a:rPr lang="en-US" altLang="ko-KR"/>
+              <a:t>#</a:t>
+            </a:r>
+            <a:r>
+              <a:rPr lang="ko-KR" altLang="en-US"/>
+              <a:t>공격력 강화</a:t>
+            </a:r>
+          </a:p>
+        </p:txBody>
+      </p:sp>
+      <p:sp>
+        <p:nvSpPr>
+          <p:cNvPr id="22" name="TextBox 21">
+            <a:extLst>
+              <a:ext uri="{FF2B5EF4-FFF2-40B4-BE49-F238E27FC236}">
+                <a16:creationId xmlns:a16="http://schemas.microsoft.com/office/drawing/2014/main" id="{1000F226-8C77-4815-A983-38E85C287AD9}"/>
+              </a:ext>
+            </a:extLst>
+          </p:cNvPr>
+          <p:cNvSpPr txBox="1"/>
+          <p:nvPr/>
+        </p:nvSpPr>
+        <p:spPr>
+          <a:xfrm>
+            <a:off x="8004473" y="5362159"/>
+            <a:ext cx="3251451" cy="923330"/>
+          </a:xfrm>
+          <a:prstGeom prst="rect">
+            <a:avLst/>
+          </a:prstGeom>
+          <a:noFill/>
+        </p:spPr>
+        <p:txBody>
+          <a:bodyPr wrap="square" rtlCol="0">
+            <a:spAutoFit/>
+          </a:bodyPr>
+          <a:lstStyle/>
+          <a:p>
+            <a:r>
+              <a:rPr lang="ko-KR" altLang="en-US" b="1"/>
+              <a:t>광전사 갑옷</a:t>
+            </a:r>
+            <a:endParaRPr lang="en-US" altLang="ko-KR" b="1"/>
+          </a:p>
+          <a:p>
+            <a:r>
+              <a:rPr lang="en-US" altLang="ko-KR"/>
+              <a:t>#</a:t>
+            </a:r>
+            <a:r>
+              <a:rPr lang="ko-KR" altLang="en-US"/>
+              <a:t>회피기 없음</a:t>
+            </a:r>
+            <a:endParaRPr lang="en-US" altLang="ko-KR"/>
+          </a:p>
+          <a:p>
+            <a:r>
+              <a:rPr lang="en-US" altLang="ko-KR"/>
+              <a:t>#</a:t>
+            </a:r>
+            <a:r>
+              <a:rPr lang="ko-KR" altLang="en-US"/>
+              <a:t>방어력 강화</a:t>
+            </a:r>
+          </a:p>
+        </p:txBody>
+      </p:sp>
+      <p:sp>
+        <p:nvSpPr>
+          <p:cNvPr id="27" name="TextBox 26">
+            <a:extLst>
+              <a:ext uri="{FF2B5EF4-FFF2-40B4-BE49-F238E27FC236}">
+                <a16:creationId xmlns:a16="http://schemas.microsoft.com/office/drawing/2014/main" id="{1C1B5A6B-C828-455D-957C-0B7F6B676B51}"/>
+              </a:ext>
+            </a:extLst>
+          </p:cNvPr>
+          <p:cNvSpPr txBox="1"/>
+          <p:nvPr/>
+        </p:nvSpPr>
+        <p:spPr>
+          <a:xfrm>
+            <a:off x="0" y="132991"/>
+            <a:ext cx="12191999" cy="369332"/>
+          </a:xfrm>
+          <a:prstGeom prst="rect">
+            <a:avLst/>
+          </a:prstGeom>
+          <a:noFill/>
+        </p:spPr>
+        <p:txBody>
+          <a:bodyPr wrap="square" rtlCol="0">
+            <a:spAutoFit/>
+          </a:bodyPr>
+          <a:lstStyle/>
+          <a:p>
+            <a:pPr algn="ctr"/>
+            <a:r>
+              <a:rPr lang="ko-KR" altLang="en-US" b="1">
+                <a:highlight>
+                  <a:srgbClr val="FFFF00"/>
+                </a:highlight>
+              </a:rPr>
+              <a:t>방어구는 플레이어의 기동성과 회피기에 영향을 미치며</a:t>
+            </a:r>
+            <a:r>
+              <a:rPr lang="en-US" altLang="ko-KR" b="1">
+                <a:highlight>
+                  <a:srgbClr val="FFFF00"/>
+                </a:highlight>
+              </a:rPr>
+              <a:t>, </a:t>
+            </a:r>
+            <a:r>
+              <a:rPr lang="ko-KR" altLang="en-US" b="1">
+                <a:highlight>
+                  <a:srgbClr val="FFFF00"/>
+                </a:highlight>
+              </a:rPr>
+              <a:t>특정 무기와 세트효과를 이루기도 한다</a:t>
+            </a:r>
+            <a:r>
+              <a:rPr lang="en-US" altLang="ko-KR" b="1">
+                <a:highlight>
+                  <a:srgbClr val="FFFF00"/>
+                </a:highlight>
+              </a:rPr>
               <a:t>.</a:t>
             </a:r>
-            <a:endParaRPr lang="ko-KR" altLang="en-US"/>
+            <a:endParaRPr lang="ko-KR" altLang="en-US" b="1">
+              <a:highlight>
+                <a:srgbClr val="FFFF00"/>
+              </a:highlight>
+            </a:endParaRPr>
           </a:p>
         </p:txBody>
       </p:sp>
     </p:spTree>
     <p:extLst>
       <p:ext uri="{BB962C8B-B14F-4D97-AF65-F5344CB8AC3E}">
-        <p14:creationId xmlns:p14="http://schemas.microsoft.com/office/powerpoint/2010/main" val="3216931160"/>
+        <p14:creationId xmlns:p14="http://schemas.microsoft.com/office/powerpoint/2010/main" val="3878482240"/>
       </p:ext>
     </p:extLst>
   </p:cSld>
@@ -4050,579 +5253,891 @@
           <a:chExt cx="0" cy="0"/>
         </a:xfrm>
       </p:grpSpPr>
-      <p:pic>
-        <p:nvPicPr>
-          <p:cNvPr id="5" name="그림 4">
-            <a:extLst>
-              <a:ext uri="{FF2B5EF4-FFF2-40B4-BE49-F238E27FC236}">
-                <a16:creationId xmlns:a16="http://schemas.microsoft.com/office/drawing/2014/main" id="{64CB20BF-5047-4675-9EE1-EEC53E2CDA99}"/>
-              </a:ext>
-            </a:extLst>
-          </p:cNvPr>
-          <p:cNvPicPr>
-            <a:picLocks noChangeAspect="1"/>
-          </p:cNvPicPr>
+      <p:grpSp>
+        <p:nvGrpSpPr>
+          <p:cNvPr id="2" name="그룹 1">
+            <a:extLst>
+              <a:ext uri="{FF2B5EF4-FFF2-40B4-BE49-F238E27FC236}">
+                <a16:creationId xmlns:a16="http://schemas.microsoft.com/office/drawing/2014/main" id="{0A1F6070-00D2-4E47-99A3-9F920253E3C4}"/>
+              </a:ext>
+            </a:extLst>
+          </p:cNvPr>
+          <p:cNvGrpSpPr/>
           <p:nvPr/>
-        </p:nvPicPr>
-        <p:blipFill>
-          <a:blip r:embed="rId2"/>
-          <a:stretch>
-            <a:fillRect/>
-          </a:stretch>
-        </p:blipFill>
+        </p:nvGrpSpPr>
+        <p:grpSpPr>
+          <a:xfrm>
+            <a:off x="936077" y="637946"/>
+            <a:ext cx="10319847" cy="6102198"/>
+            <a:chOff x="936077" y="637946"/>
+            <a:chExt cx="10319847" cy="6102198"/>
+          </a:xfrm>
+        </p:grpSpPr>
+        <p:pic>
+          <p:nvPicPr>
+            <p:cNvPr id="3" name="그림 2">
+              <a:extLst>
+                <a:ext uri="{FF2B5EF4-FFF2-40B4-BE49-F238E27FC236}">
+                  <a16:creationId xmlns:a16="http://schemas.microsoft.com/office/drawing/2014/main" id="{9959232B-F4FC-4680-A168-17C5AEE938D9}"/>
+                </a:ext>
+              </a:extLst>
+            </p:cNvPr>
+            <p:cNvPicPr>
+              <a:picLocks noChangeAspect="1"/>
+            </p:cNvPicPr>
+            <p:nvPr/>
+          </p:nvPicPr>
+          <p:blipFill>
+            <a:blip r:embed="rId2">
+              <a:extLst>
+                <a:ext uri="{BEBA8EAE-BF5A-486C-A8C5-ECC9F3942E4B}">
+                  <a14:imgProps xmlns:a14="http://schemas.microsoft.com/office/drawing/2010/main">
+                    <a14:imgLayer r:embed="rId3">
+                      <a14:imgEffect>
+                        <a14:brightnessContrast bright="40000" contrast="-40000"/>
+                      </a14:imgEffect>
+                    </a14:imgLayer>
+                  </a14:imgProps>
+                </a:ext>
+              </a:extLst>
+            </a:blip>
+            <a:stretch>
+              <a:fillRect/>
+            </a:stretch>
+          </p:blipFill>
+          <p:spPr>
+            <a:xfrm>
+              <a:off x="4520490" y="637947"/>
+              <a:ext cx="1575510" cy="1284882"/>
+            </a:xfrm>
+            <a:prstGeom prst="rect">
+              <a:avLst/>
+            </a:prstGeom>
+          </p:spPr>
+        </p:pic>
+        <p:pic>
+          <p:nvPicPr>
+            <p:cNvPr id="5" name="그림 4">
+              <a:extLst>
+                <a:ext uri="{FF2B5EF4-FFF2-40B4-BE49-F238E27FC236}">
+                  <a16:creationId xmlns:a16="http://schemas.microsoft.com/office/drawing/2014/main" id="{CD91D127-6C8B-430D-A61D-6ECB8AB53F1D}"/>
+                </a:ext>
+              </a:extLst>
+            </p:cNvPr>
+            <p:cNvPicPr>
+              <a:picLocks noChangeAspect="1"/>
+            </p:cNvPicPr>
+            <p:nvPr/>
+          </p:nvPicPr>
+          <p:blipFill>
+            <a:blip r:embed="rId4">
+              <a:extLst>
+                <a:ext uri="{BEBA8EAE-BF5A-486C-A8C5-ECC9F3942E4B}">
+                  <a14:imgProps xmlns:a14="http://schemas.microsoft.com/office/drawing/2010/main">
+                    <a14:imgLayer r:embed="rId5">
+                      <a14:imgEffect>
+                        <a14:brightnessContrast bright="40000" contrast="-40000"/>
+                      </a14:imgEffect>
+                    </a14:imgLayer>
+                  </a14:imgProps>
+                </a:ext>
+              </a:extLst>
+            </a:blip>
+            <a:stretch>
+              <a:fillRect/>
+            </a:stretch>
+          </p:blipFill>
+          <p:spPr>
+            <a:xfrm>
+              <a:off x="4522265" y="3604380"/>
+              <a:ext cx="1569382" cy="1555200"/>
+            </a:xfrm>
+            <a:prstGeom prst="rect">
+              <a:avLst/>
+            </a:prstGeom>
+          </p:spPr>
+        </p:pic>
+        <p:pic>
+          <p:nvPicPr>
+            <p:cNvPr id="7" name="그림 6">
+              <a:extLst>
+                <a:ext uri="{FF2B5EF4-FFF2-40B4-BE49-F238E27FC236}">
+                  <a16:creationId xmlns:a16="http://schemas.microsoft.com/office/drawing/2014/main" id="{36E5B5B6-1D49-4038-87FE-AF274DF48D26}"/>
+                </a:ext>
+              </a:extLst>
+            </p:cNvPr>
+            <p:cNvPicPr>
+              <a:picLocks noChangeAspect="1"/>
+            </p:cNvPicPr>
+            <p:nvPr/>
+          </p:nvPicPr>
+          <p:blipFill>
+            <a:blip r:embed="rId6">
+              <a:extLst>
+                <a:ext uri="{BEBA8EAE-BF5A-486C-A8C5-ECC9F3942E4B}">
+                  <a14:imgProps xmlns:a14="http://schemas.microsoft.com/office/drawing/2010/main">
+                    <a14:imgLayer r:embed="rId7">
+                      <a14:imgEffect>
+                        <a14:brightnessContrast bright="40000" contrast="-40000"/>
+                      </a14:imgEffect>
+                    </a14:imgLayer>
+                  </a14:imgProps>
+                </a:ext>
+              </a:extLst>
+            </a:blip>
+            <a:stretch>
+              <a:fillRect/>
+            </a:stretch>
+          </p:blipFill>
+          <p:spPr>
+            <a:xfrm>
+              <a:off x="4520489" y="2065270"/>
+              <a:ext cx="1694410" cy="1358925"/>
+            </a:xfrm>
+            <a:prstGeom prst="rect">
+              <a:avLst/>
+            </a:prstGeom>
+          </p:spPr>
+        </p:pic>
+        <p:pic>
+          <p:nvPicPr>
+            <p:cNvPr id="9" name="그림 8">
+              <a:extLst>
+                <a:ext uri="{FF2B5EF4-FFF2-40B4-BE49-F238E27FC236}">
+                  <a16:creationId xmlns:a16="http://schemas.microsoft.com/office/drawing/2014/main" id="{302E8373-DEDD-436B-9688-71906EB9E53F}"/>
+                </a:ext>
+              </a:extLst>
+            </p:cNvPr>
+            <p:cNvPicPr>
+              <a:picLocks noChangeAspect="1"/>
+            </p:cNvPicPr>
+            <p:nvPr/>
+          </p:nvPicPr>
+          <p:blipFill rotWithShape="1">
+            <a:blip r:embed="rId8">
+              <a:extLst>
+                <a:ext uri="{BEBA8EAE-BF5A-486C-A8C5-ECC9F3942E4B}">
+                  <a14:imgProps xmlns:a14="http://schemas.microsoft.com/office/drawing/2010/main">
+                    <a14:imgLayer r:embed="rId9">
+                      <a14:imgEffect>
+                        <a14:brightnessContrast bright="40000" contrast="-40000"/>
+                      </a14:imgEffect>
+                    </a14:imgLayer>
+                  </a14:imgProps>
+                </a:ext>
+              </a:extLst>
+            </a:blip>
+            <a:srcRect l="15456" r="9961"/>
+            <a:stretch/>
+          </p:blipFill>
+          <p:spPr>
+            <a:xfrm>
+              <a:off x="6418126" y="5357593"/>
+              <a:ext cx="1463094" cy="1328302"/>
+            </a:xfrm>
+            <a:prstGeom prst="rect">
+              <a:avLst/>
+            </a:prstGeom>
+          </p:spPr>
+        </p:pic>
+        <p:pic>
+          <p:nvPicPr>
+            <p:cNvPr id="6" name="그림 5">
+              <a:extLst>
+                <a:ext uri="{FF2B5EF4-FFF2-40B4-BE49-F238E27FC236}">
+                  <a16:creationId xmlns:a16="http://schemas.microsoft.com/office/drawing/2014/main" id="{EEF53EDC-6B61-41A5-BBEF-E915CC423F84}"/>
+                </a:ext>
+              </a:extLst>
+            </p:cNvPr>
+            <p:cNvPicPr>
+              <a:picLocks noChangeAspect="1"/>
+            </p:cNvPicPr>
+            <p:nvPr/>
+          </p:nvPicPr>
+          <p:blipFill>
+            <a:blip r:embed="rId10">
+              <a:extLst>
+                <a:ext uri="{BEBA8EAE-BF5A-486C-A8C5-ECC9F3942E4B}">
+                  <a14:imgProps xmlns:a14="http://schemas.microsoft.com/office/drawing/2010/main">
+                    <a14:imgLayer r:embed="rId11">
+                      <a14:imgEffect>
+                        <a14:brightnessContrast bright="40000" contrast="-40000"/>
+                      </a14:imgEffect>
+                    </a14:imgLayer>
+                  </a14:imgProps>
+                </a:ext>
+              </a:extLst>
+            </a:blip>
+            <a:stretch>
+              <a:fillRect/>
+            </a:stretch>
+          </p:blipFill>
+          <p:spPr>
+            <a:xfrm>
+              <a:off x="6311838" y="3660697"/>
+              <a:ext cx="1569382" cy="1451945"/>
+            </a:xfrm>
+            <a:prstGeom prst="rect">
+              <a:avLst/>
+            </a:prstGeom>
+          </p:spPr>
+        </p:pic>
+        <p:pic>
+          <p:nvPicPr>
+            <p:cNvPr id="8" name="그림 7">
+              <a:extLst>
+                <a:ext uri="{FF2B5EF4-FFF2-40B4-BE49-F238E27FC236}">
+                  <a16:creationId xmlns:a16="http://schemas.microsoft.com/office/drawing/2014/main" id="{DEDED9B5-5D94-49FF-8CF0-21EB5538BDA2}"/>
+                </a:ext>
+              </a:extLst>
+            </p:cNvPr>
+            <p:cNvPicPr>
+              <a:picLocks noChangeAspect="1"/>
+            </p:cNvPicPr>
+            <p:nvPr/>
+          </p:nvPicPr>
+          <p:blipFill>
+            <a:blip r:embed="rId12">
+              <a:extLst>
+                <a:ext uri="{BEBA8EAE-BF5A-486C-A8C5-ECC9F3942E4B}">
+                  <a14:imgProps xmlns:a14="http://schemas.microsoft.com/office/drawing/2010/main">
+                    <a14:imgLayer r:embed="rId13">
+                      <a14:imgEffect>
+                        <a14:brightnessContrast bright="40000" contrast="-40000"/>
+                      </a14:imgEffect>
+                    </a14:imgLayer>
+                  </a14:imgProps>
+                </a:ext>
+              </a:extLst>
+            </a:blip>
+            <a:stretch>
+              <a:fillRect/>
+            </a:stretch>
+          </p:blipFill>
+          <p:spPr>
+            <a:xfrm>
+              <a:off x="6589416" y="637946"/>
+              <a:ext cx="1291804" cy="1361199"/>
+            </a:xfrm>
+            <a:prstGeom prst="rect">
+              <a:avLst/>
+            </a:prstGeom>
+          </p:spPr>
+        </p:pic>
+        <p:pic>
+          <p:nvPicPr>
+            <p:cNvPr id="10" name="그림 9">
+              <a:extLst>
+                <a:ext uri="{FF2B5EF4-FFF2-40B4-BE49-F238E27FC236}">
+                  <a16:creationId xmlns:a16="http://schemas.microsoft.com/office/drawing/2014/main" id="{CE03D76B-5FB0-446F-9F16-48650C183227}"/>
+                </a:ext>
+              </a:extLst>
+            </p:cNvPr>
+            <p:cNvPicPr>
+              <a:picLocks noChangeAspect="1"/>
+            </p:cNvPicPr>
+            <p:nvPr/>
+          </p:nvPicPr>
+          <p:blipFill>
+            <a:blip r:embed="rId14">
+              <a:extLst>
+                <a:ext uri="{BEBA8EAE-BF5A-486C-A8C5-ECC9F3942E4B}">
+                  <a14:imgProps xmlns:a14="http://schemas.microsoft.com/office/drawing/2010/main">
+                    <a14:imgLayer r:embed="rId15">
+                      <a14:imgEffect>
+                        <a14:brightnessContrast bright="40000" contrast="-40000"/>
+                      </a14:imgEffect>
+                    </a14:imgLayer>
+                  </a14:imgProps>
+                </a:ext>
+              </a:extLst>
+            </a:blip>
+            <a:stretch>
+              <a:fillRect/>
+            </a:stretch>
+          </p:blipFill>
+          <p:spPr>
+            <a:xfrm>
+              <a:off x="6552049" y="2160107"/>
+              <a:ext cx="1329171" cy="1185044"/>
+            </a:xfrm>
+            <a:prstGeom prst="rect">
+              <a:avLst/>
+            </a:prstGeom>
+          </p:spPr>
+        </p:pic>
+        <p:pic>
+          <p:nvPicPr>
+            <p:cNvPr id="11" name="그림 10">
+              <a:extLst>
+                <a:ext uri="{FF2B5EF4-FFF2-40B4-BE49-F238E27FC236}">
+                  <a16:creationId xmlns:a16="http://schemas.microsoft.com/office/drawing/2014/main" id="{B4C4D42A-56AC-4025-A31B-6609EA7591F4}"/>
+                </a:ext>
+              </a:extLst>
+            </p:cNvPr>
+            <p:cNvPicPr>
+              <a:picLocks noChangeAspect="1"/>
+            </p:cNvPicPr>
+            <p:nvPr/>
+          </p:nvPicPr>
+          <p:blipFill>
+            <a:blip r:embed="rId16">
+              <a:extLst>
+                <a:ext uri="{BEBA8EAE-BF5A-486C-A8C5-ECC9F3942E4B}">
+                  <a14:imgProps xmlns:a14="http://schemas.microsoft.com/office/drawing/2010/main">
+                    <a14:imgLayer r:embed="rId17">
+                      <a14:imgEffect>
+                        <a14:brightnessContrast bright="40000" contrast="-40000"/>
+                      </a14:imgEffect>
+                    </a14:imgLayer>
+                  </a14:imgProps>
+                </a:ext>
+              </a:extLst>
+            </a:blip>
+            <a:stretch>
+              <a:fillRect/>
+            </a:stretch>
+          </p:blipFill>
+          <p:spPr>
+            <a:xfrm>
+              <a:off x="4520489" y="5357593"/>
+              <a:ext cx="1451946" cy="1382551"/>
+            </a:xfrm>
+            <a:prstGeom prst="rect">
+              <a:avLst/>
+            </a:prstGeom>
+          </p:spPr>
+        </p:pic>
+        <p:grpSp>
+          <p:nvGrpSpPr>
+            <p:cNvPr id="12" name="그룹 11">
+              <a:extLst>
+                <a:ext uri="{FF2B5EF4-FFF2-40B4-BE49-F238E27FC236}">
+                  <a16:creationId xmlns:a16="http://schemas.microsoft.com/office/drawing/2014/main" id="{5A232472-D717-49BE-8681-9770E572175A}"/>
+                </a:ext>
+              </a:extLst>
+            </p:cNvPr>
+            <p:cNvGrpSpPr/>
+            <p:nvPr/>
+          </p:nvGrpSpPr>
+          <p:grpSpPr>
+            <a:xfrm>
+              <a:off x="936077" y="648999"/>
+              <a:ext cx="10319847" cy="5359491"/>
+              <a:chOff x="552768" y="239103"/>
+              <a:chExt cx="10319847" cy="5359491"/>
+            </a:xfrm>
+          </p:grpSpPr>
+          <p:sp>
+            <p:nvSpPr>
+              <p:cNvPr id="21" name="TextBox 20">
+                <a:extLst>
+                  <a:ext uri="{FF2B5EF4-FFF2-40B4-BE49-F238E27FC236}">
+                    <a16:creationId xmlns:a16="http://schemas.microsoft.com/office/drawing/2014/main" id="{717BE4A9-DB2E-4041-B9B7-CC5650CE6305}"/>
+                  </a:ext>
+                </a:extLst>
+              </p:cNvPr>
+              <p:cNvSpPr txBox="1"/>
+              <p:nvPr/>
+            </p:nvSpPr>
+            <p:spPr>
+              <a:xfrm>
+                <a:off x="552770" y="239103"/>
+                <a:ext cx="3251451" cy="646331"/>
+              </a:xfrm>
+              <a:prstGeom prst="rect">
+                <a:avLst/>
+              </a:prstGeom>
+              <a:noFill/>
+            </p:spPr>
+            <p:txBody>
+              <a:bodyPr wrap="square" rtlCol="0">
+                <a:spAutoFit/>
+              </a:bodyPr>
+              <a:lstStyle/>
+              <a:p>
+                <a:pPr algn="r"/>
+                <a:r>
+                  <a:rPr lang="ko-KR" altLang="en-US" b="1"/>
+                  <a:t>임시용 나무 방패</a:t>
+                </a:r>
+                <a:r>
+                  <a:rPr lang="en-US" altLang="ko-KR" b="1"/>
+                  <a:t> [</a:t>
+                </a:r>
+                <a:r>
+                  <a:rPr lang="ko-KR" altLang="en-US" b="1"/>
+                  <a:t>기본 장착</a:t>
+                </a:r>
+                <a:r>
+                  <a:rPr lang="en-US" altLang="ko-KR" b="1"/>
+                  <a:t>]</a:t>
+                </a:r>
+              </a:p>
+              <a:p>
+                <a:pPr algn="r"/>
+                <a:r>
+                  <a:rPr lang="en-US" altLang="ko-KR"/>
+                  <a:t>#</a:t>
+                </a:r>
+                <a:r>
+                  <a:rPr lang="ko-KR" altLang="en-US"/>
+                  <a:t>밸런스</a:t>
+                </a:r>
+              </a:p>
+            </p:txBody>
+          </p:sp>
+          <p:sp>
+            <p:nvSpPr>
+              <p:cNvPr id="22" name="TextBox 21">
+                <a:extLst>
+                  <a:ext uri="{FF2B5EF4-FFF2-40B4-BE49-F238E27FC236}">
+                    <a16:creationId xmlns:a16="http://schemas.microsoft.com/office/drawing/2014/main" id="{164F1E4E-10B9-4F9A-B51A-E7727BFF2CF7}"/>
+                  </a:ext>
+                </a:extLst>
+              </p:cNvPr>
+              <p:cNvSpPr txBox="1"/>
+              <p:nvPr/>
+            </p:nvSpPr>
+            <p:spPr>
+              <a:xfrm>
+                <a:off x="552771" y="1815401"/>
+                <a:ext cx="3251451" cy="646331"/>
+              </a:xfrm>
+              <a:prstGeom prst="rect">
+                <a:avLst/>
+              </a:prstGeom>
+              <a:noFill/>
+            </p:spPr>
+            <p:txBody>
+              <a:bodyPr wrap="square" rtlCol="0">
+                <a:spAutoFit/>
+              </a:bodyPr>
+              <a:lstStyle/>
+              <a:p>
+                <a:pPr algn="r"/>
+                <a:r>
+                  <a:rPr lang="ko-KR" altLang="en-US" b="1"/>
+                  <a:t>스톤 실드</a:t>
+                </a:r>
+                <a:endParaRPr lang="en-US" altLang="ko-KR" b="1"/>
+              </a:p>
+              <a:p>
+                <a:pPr algn="r"/>
+                <a:r>
+                  <a:rPr lang="en-US" altLang="ko-KR"/>
+                  <a:t>#</a:t>
+                </a:r>
+                <a:r>
+                  <a:rPr lang="ko-KR" altLang="en-US"/>
+                  <a:t>흘리기</a:t>
+                </a:r>
+              </a:p>
+            </p:txBody>
+          </p:sp>
+          <p:sp>
+            <p:nvSpPr>
+              <p:cNvPr id="23" name="TextBox 22">
+                <a:extLst>
+                  <a:ext uri="{FF2B5EF4-FFF2-40B4-BE49-F238E27FC236}">
+                    <a16:creationId xmlns:a16="http://schemas.microsoft.com/office/drawing/2014/main" id="{38E0C33F-80BB-4644-9745-8CC0B9D87637}"/>
+                  </a:ext>
+                </a:extLst>
+              </p:cNvPr>
+              <p:cNvSpPr txBox="1"/>
+              <p:nvPr/>
+            </p:nvSpPr>
+            <p:spPr>
+              <a:xfrm>
+                <a:off x="552769" y="3361694"/>
+                <a:ext cx="3251451" cy="646331"/>
+              </a:xfrm>
+              <a:prstGeom prst="rect">
+                <a:avLst/>
+              </a:prstGeom>
+              <a:noFill/>
+            </p:spPr>
+            <p:txBody>
+              <a:bodyPr wrap="square" rtlCol="0">
+                <a:spAutoFit/>
+              </a:bodyPr>
+              <a:lstStyle/>
+              <a:p>
+                <a:pPr algn="r"/>
+                <a:r>
+                  <a:rPr lang="ko-KR" altLang="en-US" b="1"/>
+                  <a:t>아이언 실드</a:t>
+                </a:r>
+                <a:endParaRPr lang="en-US" altLang="ko-KR" b="1"/>
+              </a:p>
+              <a:p>
+                <a:pPr algn="r"/>
+                <a:r>
+                  <a:rPr lang="en-US" altLang="ko-KR"/>
+                  <a:t>#</a:t>
+                </a:r>
+                <a:r>
+                  <a:rPr lang="ko-KR" altLang="en-US"/>
+                  <a:t>마법 </a:t>
+                </a:r>
+                <a:r>
+                  <a:rPr lang="en-US" altLang="ko-KR"/>
+                  <a:t>#</a:t>
+                </a:r>
+                <a:r>
+                  <a:rPr lang="ko-KR" altLang="en-US"/>
+                  <a:t>주문</a:t>
+                </a:r>
+              </a:p>
+            </p:txBody>
+          </p:sp>
+          <p:sp>
+            <p:nvSpPr>
+              <p:cNvPr id="24" name="TextBox 23">
+                <a:extLst>
+                  <a:ext uri="{FF2B5EF4-FFF2-40B4-BE49-F238E27FC236}">
+                    <a16:creationId xmlns:a16="http://schemas.microsoft.com/office/drawing/2014/main" id="{D762C475-03C5-42F5-99FE-E0A45E8AFC4D}"/>
+                  </a:ext>
+                </a:extLst>
+              </p:cNvPr>
+              <p:cNvSpPr txBox="1"/>
+              <p:nvPr/>
+            </p:nvSpPr>
+            <p:spPr>
+              <a:xfrm>
+                <a:off x="552768" y="4947697"/>
+                <a:ext cx="3251451" cy="646331"/>
+              </a:xfrm>
+              <a:prstGeom prst="rect">
+                <a:avLst/>
+              </a:prstGeom>
+              <a:noFill/>
+            </p:spPr>
+            <p:txBody>
+              <a:bodyPr wrap="square" rtlCol="0">
+                <a:spAutoFit/>
+              </a:bodyPr>
+              <a:lstStyle/>
+              <a:p>
+                <a:pPr algn="r"/>
+                <a:r>
+                  <a:rPr lang="ko-KR" altLang="en-US" b="1"/>
+                  <a:t>엘프 실드</a:t>
+                </a:r>
+                <a:endParaRPr lang="en-US" altLang="ko-KR" b="1"/>
+              </a:p>
+              <a:p>
+                <a:pPr algn="r"/>
+                <a:r>
+                  <a:rPr lang="en-US" altLang="ko-KR"/>
+                  <a:t>#</a:t>
+                </a:r>
+                <a:r>
+                  <a:rPr lang="ko-KR" altLang="en-US"/>
+                  <a:t>쾌속 </a:t>
+                </a:r>
+                <a:r>
+                  <a:rPr lang="en-US" altLang="ko-KR"/>
+                  <a:t>#</a:t>
+                </a:r>
+                <a:r>
+                  <a:rPr lang="ko-KR" altLang="en-US"/>
+                  <a:t>기동성</a:t>
+                </a:r>
+              </a:p>
+            </p:txBody>
+          </p:sp>
+          <p:sp>
+            <p:nvSpPr>
+              <p:cNvPr id="25" name="TextBox 24">
+                <a:extLst>
+                  <a:ext uri="{FF2B5EF4-FFF2-40B4-BE49-F238E27FC236}">
+                    <a16:creationId xmlns:a16="http://schemas.microsoft.com/office/drawing/2014/main" id="{B460BF6F-AF94-4C1C-BFA8-623CB2154449}"/>
+                  </a:ext>
+                </a:extLst>
+              </p:cNvPr>
+              <p:cNvSpPr txBox="1"/>
+              <p:nvPr/>
+            </p:nvSpPr>
+            <p:spPr>
+              <a:xfrm>
+                <a:off x="7621162" y="241919"/>
+                <a:ext cx="3251451" cy="646331"/>
+              </a:xfrm>
+              <a:prstGeom prst="rect">
+                <a:avLst/>
+              </a:prstGeom>
+              <a:noFill/>
+            </p:spPr>
+            <p:txBody>
+              <a:bodyPr wrap="square" rtlCol="0">
+                <a:spAutoFit/>
+              </a:bodyPr>
+              <a:lstStyle/>
+              <a:p>
+                <a:r>
+                  <a:rPr lang="ko-KR" altLang="en-US" b="1"/>
+                  <a:t>사각 나무방패</a:t>
+                </a:r>
+                <a:endParaRPr lang="en-US" altLang="ko-KR" b="1"/>
+              </a:p>
+              <a:p>
+                <a:r>
+                  <a:rPr lang="en-US" altLang="ko-KR"/>
+                  <a:t>#</a:t>
+                </a:r>
+                <a:r>
+                  <a:rPr lang="ko-KR" altLang="en-US"/>
+                  <a:t>마법 </a:t>
+                </a:r>
+                <a:r>
+                  <a:rPr lang="en-US" altLang="ko-KR"/>
+                  <a:t>#</a:t>
+                </a:r>
+                <a:r>
+                  <a:rPr lang="ko-KR" altLang="en-US"/>
+                  <a:t>마검</a:t>
+                </a:r>
+              </a:p>
+            </p:txBody>
+          </p:sp>
+          <p:sp>
+            <p:nvSpPr>
+              <p:cNvPr id="26" name="TextBox 25">
+                <a:extLst>
+                  <a:ext uri="{FF2B5EF4-FFF2-40B4-BE49-F238E27FC236}">
+                    <a16:creationId xmlns:a16="http://schemas.microsoft.com/office/drawing/2014/main" id="{BD9CFDD5-F444-4B2F-925C-D58AD4D0202B}"/>
+                  </a:ext>
+                </a:extLst>
+              </p:cNvPr>
+              <p:cNvSpPr txBox="1"/>
+              <p:nvPr/>
+            </p:nvSpPr>
+            <p:spPr>
+              <a:xfrm>
+                <a:off x="7621163" y="1810135"/>
+                <a:ext cx="3251451" cy="646331"/>
+              </a:xfrm>
+              <a:prstGeom prst="rect">
+                <a:avLst/>
+              </a:prstGeom>
+              <a:noFill/>
+            </p:spPr>
+            <p:txBody>
+              <a:bodyPr wrap="square" rtlCol="0">
+                <a:spAutoFit/>
+              </a:bodyPr>
+              <a:lstStyle/>
+              <a:p>
+                <a:r>
+                  <a:rPr lang="ko-KR" altLang="en-US" b="1"/>
+                  <a:t>악마의 방패</a:t>
+                </a:r>
+                <a:endParaRPr lang="en-US" altLang="ko-KR" b="1"/>
+              </a:p>
+              <a:p>
+                <a:r>
+                  <a:rPr lang="en-US" altLang="ko-KR"/>
+                  <a:t>#</a:t>
+                </a:r>
+                <a:r>
+                  <a:rPr lang="ko-KR" altLang="en-US"/>
+                  <a:t>쾌속 </a:t>
+                </a:r>
+                <a:r>
+                  <a:rPr lang="en-US" altLang="ko-KR"/>
+                  <a:t>#</a:t>
+                </a:r>
+                <a:r>
+                  <a:rPr lang="ko-KR" altLang="en-US"/>
+                  <a:t>검기</a:t>
+                </a:r>
+              </a:p>
+            </p:txBody>
+          </p:sp>
+          <p:sp>
+            <p:nvSpPr>
+              <p:cNvPr id="27" name="TextBox 26">
+                <a:extLst>
+                  <a:ext uri="{FF2B5EF4-FFF2-40B4-BE49-F238E27FC236}">
+                    <a16:creationId xmlns:a16="http://schemas.microsoft.com/office/drawing/2014/main" id="{E7402C33-1251-4C66-AD5D-5E0650FA7790}"/>
+                  </a:ext>
+                </a:extLst>
+              </p:cNvPr>
+              <p:cNvSpPr txBox="1"/>
+              <p:nvPr/>
+            </p:nvSpPr>
+            <p:spPr>
+              <a:xfrm>
+                <a:off x="7621164" y="3361695"/>
+                <a:ext cx="3251451" cy="646331"/>
+              </a:xfrm>
+              <a:prstGeom prst="rect">
+                <a:avLst/>
+              </a:prstGeom>
+              <a:noFill/>
+            </p:spPr>
+            <p:txBody>
+              <a:bodyPr wrap="square" rtlCol="0">
+                <a:spAutoFit/>
+              </a:bodyPr>
+              <a:lstStyle/>
+              <a:p>
+                <a:r>
+                  <a:rPr lang="ko-KR" altLang="en-US" b="1"/>
+                  <a:t>마스</a:t>
+                </a:r>
+                <a:endParaRPr lang="en-US" altLang="ko-KR" b="1"/>
+              </a:p>
+              <a:p>
+                <a:r>
+                  <a:rPr lang="en-US" altLang="ko-KR"/>
+                  <a:t>#</a:t>
+                </a:r>
+                <a:r>
+                  <a:rPr lang="ko-KR" altLang="en-US"/>
+                  <a:t>묵직함 </a:t>
+                </a:r>
+                <a:r>
+                  <a:rPr lang="en-US" altLang="ko-KR"/>
+                  <a:t>#</a:t>
+                </a:r>
+                <a:r>
+                  <a:rPr lang="ko-KR" altLang="en-US"/>
+                  <a:t>마법</a:t>
+                </a:r>
+              </a:p>
+            </p:txBody>
+          </p:sp>
+          <p:sp>
+            <p:nvSpPr>
+              <p:cNvPr id="28" name="TextBox 27">
+                <a:extLst>
+                  <a:ext uri="{FF2B5EF4-FFF2-40B4-BE49-F238E27FC236}">
+                    <a16:creationId xmlns:a16="http://schemas.microsoft.com/office/drawing/2014/main" id="{680E6670-FFC1-4109-8981-A08BCE57A1CE}"/>
+                  </a:ext>
+                </a:extLst>
+              </p:cNvPr>
+              <p:cNvSpPr txBox="1"/>
+              <p:nvPr/>
+            </p:nvSpPr>
+            <p:spPr>
+              <a:xfrm>
+                <a:off x="7621164" y="4952263"/>
+                <a:ext cx="3251451" cy="646331"/>
+              </a:xfrm>
+              <a:prstGeom prst="rect">
+                <a:avLst/>
+              </a:prstGeom>
+              <a:noFill/>
+            </p:spPr>
+            <p:txBody>
+              <a:bodyPr wrap="square" rtlCol="0">
+                <a:spAutoFit/>
+              </a:bodyPr>
+              <a:lstStyle/>
+              <a:p>
+                <a:r>
+                  <a:rPr lang="ko-KR" altLang="en-US" b="1"/>
+                  <a:t>광전사의 방패</a:t>
+                </a:r>
+                <a:endParaRPr lang="en-US" altLang="ko-KR" b="1"/>
+              </a:p>
+              <a:p>
+                <a:r>
+                  <a:rPr lang="en-US" altLang="ko-KR"/>
+                  <a:t>#</a:t>
+                </a:r>
+                <a:r>
+                  <a:rPr lang="ko-KR" altLang="en-US"/>
+                  <a:t>묵직함 </a:t>
+                </a:r>
+                <a:r>
+                  <a:rPr lang="en-US" altLang="ko-KR"/>
+                  <a:t>#</a:t>
+                </a:r>
+                <a:r>
+                  <a:rPr lang="ko-KR" altLang="en-US"/>
+                  <a:t>물리</a:t>
+                </a:r>
+              </a:p>
+            </p:txBody>
+          </p:sp>
+        </p:grpSp>
+      </p:grpSp>
+      <p:sp>
+        <p:nvSpPr>
+          <p:cNvPr id="29" name="TextBox 28">
+            <a:extLst>
+              <a:ext uri="{FF2B5EF4-FFF2-40B4-BE49-F238E27FC236}">
+                <a16:creationId xmlns:a16="http://schemas.microsoft.com/office/drawing/2014/main" id="{99FE7481-8BF3-41A8-8D2F-9DA05ACBAA03}"/>
+              </a:ext>
+            </a:extLst>
+          </p:cNvPr>
+          <p:cNvSpPr txBox="1"/>
+          <p:nvPr/>
+        </p:nvSpPr>
         <p:spPr>
           <a:xfrm>
-            <a:off x="145566" y="355738"/>
-            <a:ext cx="3144681" cy="3136295"/>
+            <a:off x="0" y="132991"/>
+            <a:ext cx="12191999" cy="369332"/>
           </a:xfrm>
           <a:prstGeom prst="rect">
             <a:avLst/>
           </a:prstGeom>
+          <a:noFill/>
         </p:spPr>
-      </p:pic>
-      <p:pic>
-        <p:nvPicPr>
-          <p:cNvPr id="7" name="그림 6">
-            <a:extLst>
-              <a:ext uri="{FF2B5EF4-FFF2-40B4-BE49-F238E27FC236}">
-                <a16:creationId xmlns:a16="http://schemas.microsoft.com/office/drawing/2014/main" id="{E877D100-CDEE-433B-8BAC-D0E942E7EE14}"/>
-              </a:ext>
-            </a:extLst>
-          </p:cNvPr>
-          <p:cNvPicPr>
-            <a:picLocks noChangeAspect="1"/>
-          </p:cNvPicPr>
-          <p:nvPr/>
-        </p:nvPicPr>
-        <p:blipFill>
-          <a:blip r:embed="rId3"/>
-          <a:stretch>
-            <a:fillRect/>
-          </a:stretch>
-        </p:blipFill>
-        <p:spPr>
-          <a:xfrm>
-            <a:off x="145566" y="3500139"/>
-            <a:ext cx="2616375" cy="3002123"/>
-          </a:xfrm>
-          <a:prstGeom prst="rect">
-            <a:avLst/>
-          </a:prstGeom>
-        </p:spPr>
-      </p:pic>
-      <p:pic>
-        <p:nvPicPr>
-          <p:cNvPr id="9" name="그림 8">
-            <a:extLst>
-              <a:ext uri="{FF2B5EF4-FFF2-40B4-BE49-F238E27FC236}">
-                <a16:creationId xmlns:a16="http://schemas.microsoft.com/office/drawing/2014/main" id="{048B9A1D-276F-421C-ADAD-3DC4A961978A}"/>
-              </a:ext>
-            </a:extLst>
-          </p:cNvPr>
-          <p:cNvPicPr>
-            <a:picLocks noChangeAspect="1"/>
-          </p:cNvPicPr>
-          <p:nvPr/>
-        </p:nvPicPr>
-        <p:blipFill>
-          <a:blip r:embed="rId4"/>
-          <a:stretch>
-            <a:fillRect/>
-          </a:stretch>
-        </p:blipFill>
-        <p:spPr>
-          <a:xfrm>
-            <a:off x="6541606" y="326387"/>
-            <a:ext cx="2750548" cy="3194996"/>
-          </a:xfrm>
-          <a:prstGeom prst="rect">
-            <a:avLst/>
-          </a:prstGeom>
-        </p:spPr>
-      </p:pic>
-      <p:pic>
-        <p:nvPicPr>
-          <p:cNvPr id="11" name="그림 10">
-            <a:extLst>
-              <a:ext uri="{FF2B5EF4-FFF2-40B4-BE49-F238E27FC236}">
-                <a16:creationId xmlns:a16="http://schemas.microsoft.com/office/drawing/2014/main" id="{1CE5B17A-B5E4-4C77-BB16-E2819796FF2B}"/>
-              </a:ext>
-            </a:extLst>
-          </p:cNvPr>
-          <p:cNvPicPr>
-            <a:picLocks noChangeAspect="1"/>
-          </p:cNvPicPr>
-          <p:nvPr/>
-        </p:nvPicPr>
-        <p:blipFill>
-          <a:blip r:embed="rId5"/>
-          <a:stretch>
-            <a:fillRect/>
-          </a:stretch>
-        </p:blipFill>
-        <p:spPr>
-          <a:xfrm>
-            <a:off x="6587728" y="3609154"/>
-            <a:ext cx="2658304" cy="2784091"/>
-          </a:xfrm>
-          <a:prstGeom prst="rect">
-            <a:avLst/>
-          </a:prstGeom>
-        </p:spPr>
-      </p:pic>
-    </p:spTree>
-    <p:extLst>
-      <p:ext uri="{BB962C8B-B14F-4D97-AF65-F5344CB8AC3E}">
-        <p14:creationId xmlns:p14="http://schemas.microsoft.com/office/powerpoint/2010/main" val="3593060938"/>
-      </p:ext>
-    </p:extLst>
-  </p:cSld>
-  <p:clrMapOvr>
-    <a:masterClrMapping/>
-  </p:clrMapOvr>
-</p:sld>
-</file>
-
-<file path=ppt/slides/slide5.xml><?xml version="1.0" encoding="utf-8"?>
-<p:sld xmlns:a="http://schemas.openxmlformats.org/drawingml/2006/main" xmlns:r="http://schemas.openxmlformats.org/officeDocument/2006/relationships" xmlns:p="http://schemas.openxmlformats.org/presentationml/2006/main">
-  <p:cSld>
-    <p:spTree>
-      <p:nvGrpSpPr>
-        <p:cNvPr id="1" name=""/>
-        <p:cNvGrpSpPr/>
-        <p:nvPr/>
-      </p:nvGrpSpPr>
-      <p:grpSpPr>
-        <a:xfrm>
-          <a:off x="0" y="0"/>
-          <a:ext cx="0" cy="0"/>
-          <a:chOff x="0" y="0"/>
-          <a:chExt cx="0" cy="0"/>
-        </a:xfrm>
-      </p:grpSpPr>
-      <p:pic>
-        <p:nvPicPr>
-          <p:cNvPr id="2" name="그림 1">
-            <a:extLst>
-              <a:ext uri="{FF2B5EF4-FFF2-40B4-BE49-F238E27FC236}">
-                <a16:creationId xmlns:a16="http://schemas.microsoft.com/office/drawing/2014/main" id="{E6F70D91-1E46-40F9-9DFE-C83E63D0546C}"/>
-              </a:ext>
-            </a:extLst>
-          </p:cNvPr>
-          <p:cNvPicPr>
-            <a:picLocks noChangeAspect="1"/>
-          </p:cNvPicPr>
-          <p:nvPr/>
-        </p:nvPicPr>
-        <p:blipFill>
-          <a:blip r:embed="rId2"/>
-          <a:stretch>
-            <a:fillRect/>
-          </a:stretch>
-        </p:blipFill>
-        <p:spPr>
-          <a:xfrm>
-            <a:off x="134180" y="253448"/>
-            <a:ext cx="2554630" cy="2561992"/>
-          </a:xfrm>
-          <a:prstGeom prst="rect">
-            <a:avLst/>
-          </a:prstGeom>
-        </p:spPr>
-      </p:pic>
-      <p:pic>
-        <p:nvPicPr>
-          <p:cNvPr id="3" name="그림 2">
-            <a:extLst>
-              <a:ext uri="{FF2B5EF4-FFF2-40B4-BE49-F238E27FC236}">
-                <a16:creationId xmlns:a16="http://schemas.microsoft.com/office/drawing/2014/main" id="{C236AC02-0858-4B11-8873-6B5B06B75B54}"/>
-              </a:ext>
-            </a:extLst>
-          </p:cNvPr>
-          <p:cNvPicPr>
-            <a:picLocks noChangeAspect="1"/>
-          </p:cNvPicPr>
-          <p:nvPr/>
-        </p:nvPicPr>
-        <p:blipFill>
-          <a:blip r:embed="rId3"/>
-          <a:stretch>
-            <a:fillRect/>
-          </a:stretch>
-        </p:blipFill>
-        <p:spPr>
-          <a:xfrm>
-            <a:off x="90008" y="3429000"/>
-            <a:ext cx="2642974" cy="2863835"/>
-          </a:xfrm>
-          <a:prstGeom prst="rect">
-            <a:avLst/>
-          </a:prstGeom>
-        </p:spPr>
-      </p:pic>
-      <p:pic>
-        <p:nvPicPr>
-          <p:cNvPr id="4" name="그림 3">
-            <a:extLst>
-              <a:ext uri="{FF2B5EF4-FFF2-40B4-BE49-F238E27FC236}">
-                <a16:creationId xmlns:a16="http://schemas.microsoft.com/office/drawing/2014/main" id="{2F192D57-C855-4818-A589-2A015AE2C6D4}"/>
-              </a:ext>
-            </a:extLst>
-          </p:cNvPr>
-          <p:cNvPicPr>
-            <a:picLocks noChangeAspect="1"/>
-          </p:cNvPicPr>
-          <p:nvPr/>
-        </p:nvPicPr>
-        <p:blipFill>
-          <a:blip r:embed="rId4"/>
-          <a:stretch>
-            <a:fillRect/>
-          </a:stretch>
-        </p:blipFill>
-        <p:spPr>
-          <a:xfrm>
-            <a:off x="6096000" y="253448"/>
-            <a:ext cx="2782853" cy="2930094"/>
-          </a:xfrm>
-          <a:prstGeom prst="rect">
-            <a:avLst/>
-          </a:prstGeom>
-        </p:spPr>
-      </p:pic>
-      <p:pic>
-        <p:nvPicPr>
-          <p:cNvPr id="5" name="그림 4">
-            <a:extLst>
-              <a:ext uri="{FF2B5EF4-FFF2-40B4-BE49-F238E27FC236}">
-                <a16:creationId xmlns:a16="http://schemas.microsoft.com/office/drawing/2014/main" id="{492C2D1E-BB83-499D-A55D-AD7412965EC2}"/>
-              </a:ext>
-            </a:extLst>
-          </p:cNvPr>
-          <p:cNvPicPr>
-            <a:picLocks noChangeAspect="1"/>
-          </p:cNvPicPr>
-          <p:nvPr/>
-        </p:nvPicPr>
-        <p:blipFill>
-          <a:blip r:embed="rId5"/>
-          <a:stretch>
-            <a:fillRect/>
-          </a:stretch>
-        </p:blipFill>
-        <p:spPr>
-          <a:xfrm>
-            <a:off x="6096000" y="3429000"/>
-            <a:ext cx="2782853" cy="2900646"/>
-          </a:xfrm>
-          <a:prstGeom prst="rect">
-            <a:avLst/>
-          </a:prstGeom>
-        </p:spPr>
-      </p:pic>
-    </p:spTree>
-    <p:extLst>
-      <p:ext uri="{BB962C8B-B14F-4D97-AF65-F5344CB8AC3E}">
-        <p14:creationId xmlns:p14="http://schemas.microsoft.com/office/powerpoint/2010/main" val="23877268"/>
-      </p:ext>
-    </p:extLst>
-  </p:cSld>
-  <p:clrMapOvr>
-    <a:masterClrMapping/>
-  </p:clrMapOvr>
-</p:sld>
-</file>
-
-<file path=ppt/slides/slide6.xml><?xml version="1.0" encoding="utf-8"?>
-<p:sld xmlns:a="http://schemas.openxmlformats.org/drawingml/2006/main" xmlns:r="http://schemas.openxmlformats.org/officeDocument/2006/relationships" xmlns:p="http://schemas.openxmlformats.org/presentationml/2006/main">
-  <p:cSld>
-    <p:spTree>
-      <p:nvGrpSpPr>
-        <p:cNvPr id="1" name=""/>
-        <p:cNvGrpSpPr/>
-        <p:nvPr/>
-      </p:nvGrpSpPr>
-      <p:grpSpPr>
-        <a:xfrm>
-          <a:off x="0" y="0"/>
-          <a:ext cx="0" cy="0"/>
-          <a:chOff x="0" y="0"/>
-          <a:chExt cx="0" cy="0"/>
-        </a:xfrm>
-      </p:grpSpPr>
-      <p:pic>
-        <p:nvPicPr>
-          <p:cNvPr id="3" name="그림 2">
-            <a:extLst>
-              <a:ext uri="{FF2B5EF4-FFF2-40B4-BE49-F238E27FC236}">
-                <a16:creationId xmlns:a16="http://schemas.microsoft.com/office/drawing/2014/main" id="{9959232B-F4FC-4680-A168-17C5AEE938D9}"/>
-              </a:ext>
-            </a:extLst>
-          </p:cNvPr>
-          <p:cNvPicPr>
-            <a:picLocks noChangeAspect="1"/>
-          </p:cNvPicPr>
-          <p:nvPr/>
-        </p:nvPicPr>
-        <p:blipFill>
-          <a:blip r:embed="rId2"/>
-          <a:stretch>
-            <a:fillRect/>
-          </a:stretch>
-        </p:blipFill>
-        <p:spPr>
-          <a:xfrm>
-            <a:off x="280986" y="519319"/>
-            <a:ext cx="2943225" cy="2400300"/>
-          </a:xfrm>
-          <a:prstGeom prst="rect">
-            <a:avLst/>
-          </a:prstGeom>
-        </p:spPr>
-      </p:pic>
-      <p:pic>
-        <p:nvPicPr>
-          <p:cNvPr id="5" name="그림 4">
-            <a:extLst>
-              <a:ext uri="{FF2B5EF4-FFF2-40B4-BE49-F238E27FC236}">
-                <a16:creationId xmlns:a16="http://schemas.microsoft.com/office/drawing/2014/main" id="{CD91D127-6C8B-430D-A61D-6ECB8AB53F1D}"/>
-              </a:ext>
-            </a:extLst>
-          </p:cNvPr>
-          <p:cNvPicPr>
-            <a:picLocks noChangeAspect="1"/>
-          </p:cNvPicPr>
-          <p:nvPr/>
-        </p:nvPicPr>
-        <p:blipFill>
-          <a:blip r:embed="rId3"/>
-          <a:stretch>
-            <a:fillRect/>
-          </a:stretch>
-        </p:blipFill>
-        <p:spPr>
-          <a:xfrm>
-            <a:off x="171448" y="3204956"/>
-            <a:ext cx="3162300" cy="3133725"/>
-          </a:xfrm>
-          <a:prstGeom prst="rect">
-            <a:avLst/>
-          </a:prstGeom>
-        </p:spPr>
-      </p:pic>
-      <p:pic>
-        <p:nvPicPr>
-          <p:cNvPr id="7" name="그림 6">
-            <a:extLst>
-              <a:ext uri="{FF2B5EF4-FFF2-40B4-BE49-F238E27FC236}">
-                <a16:creationId xmlns:a16="http://schemas.microsoft.com/office/drawing/2014/main" id="{36E5B5B6-1D49-4038-87FE-AF274DF48D26}"/>
-              </a:ext>
-            </a:extLst>
-          </p:cNvPr>
-          <p:cNvPicPr>
-            <a:picLocks noChangeAspect="1"/>
-          </p:cNvPicPr>
-          <p:nvPr/>
-        </p:nvPicPr>
-        <p:blipFill>
-          <a:blip r:embed="rId4"/>
-          <a:stretch>
-            <a:fillRect/>
-          </a:stretch>
-        </p:blipFill>
-        <p:spPr>
-          <a:xfrm>
-            <a:off x="6322736" y="519319"/>
-            <a:ext cx="3165341" cy="2538619"/>
-          </a:xfrm>
-          <a:prstGeom prst="rect">
-            <a:avLst/>
-          </a:prstGeom>
-        </p:spPr>
-      </p:pic>
-      <p:pic>
-        <p:nvPicPr>
-          <p:cNvPr id="9" name="그림 8">
-            <a:extLst>
-              <a:ext uri="{FF2B5EF4-FFF2-40B4-BE49-F238E27FC236}">
-                <a16:creationId xmlns:a16="http://schemas.microsoft.com/office/drawing/2014/main" id="{302E8373-DEDD-436B-9688-71906EB9E53F}"/>
-              </a:ext>
-            </a:extLst>
-          </p:cNvPr>
-          <p:cNvPicPr>
-            <a:picLocks noChangeAspect="1"/>
-          </p:cNvPicPr>
-          <p:nvPr/>
-        </p:nvPicPr>
-        <p:blipFill rotWithShape="1">
-          <a:blip r:embed="rId5"/>
-          <a:srcRect l="15456" r="9961"/>
-          <a:stretch/>
-        </p:blipFill>
-        <p:spPr>
-          <a:xfrm>
-            <a:off x="6431341" y="3512032"/>
-            <a:ext cx="2948129" cy="2676525"/>
-          </a:xfrm>
-          <a:prstGeom prst="rect">
-            <a:avLst/>
-          </a:prstGeom>
-        </p:spPr>
-      </p:pic>
+        <p:txBody>
+          <a:bodyPr wrap="square" rtlCol="0">
+            <a:spAutoFit/>
+          </a:bodyPr>
+          <a:lstStyle/>
+          <a:p>
+            <a:pPr algn="ctr"/>
+            <a:r>
+              <a:rPr lang="ko-KR" altLang="en-US" b="1">
+                <a:highlight>
+                  <a:srgbClr val="FFFF00"/>
+                </a:highlight>
+              </a:rPr>
+              <a:t>방패는 패링 스타일을 결정하고</a:t>
+            </a:r>
+            <a:r>
+              <a:rPr lang="en-US" altLang="ko-KR" b="1">
+                <a:highlight>
+                  <a:srgbClr val="FFFF00"/>
+                </a:highlight>
+              </a:rPr>
+              <a:t>, </a:t>
+            </a:r>
+            <a:r>
+              <a:rPr lang="ko-KR" altLang="en-US" b="1">
+                <a:highlight>
+                  <a:srgbClr val="FFFF00"/>
+                </a:highlight>
+              </a:rPr>
+              <a:t>특정 무기와 세트효과를 일으킨다</a:t>
+            </a:r>
+            <a:r>
+              <a:rPr lang="en-US" altLang="ko-KR" b="1">
+                <a:highlight>
+                  <a:srgbClr val="FFFF00"/>
+                </a:highlight>
+              </a:rPr>
+              <a:t>.</a:t>
+            </a:r>
+            <a:endParaRPr lang="ko-KR" altLang="en-US" b="1">
+              <a:highlight>
+                <a:srgbClr val="FFFF00"/>
+              </a:highlight>
+            </a:endParaRPr>
+          </a:p>
+        </p:txBody>
+      </p:sp>
     </p:spTree>
     <p:extLst>
       <p:ext uri="{BB962C8B-B14F-4D97-AF65-F5344CB8AC3E}">
         <p14:creationId xmlns:p14="http://schemas.microsoft.com/office/powerpoint/2010/main" val="3025593720"/>
-      </p:ext>
-    </p:extLst>
-  </p:cSld>
-  <p:clrMapOvr>
-    <a:masterClrMapping/>
-  </p:clrMapOvr>
-</p:sld>
-</file>
-
-<file path=ppt/slides/slide7.xml><?xml version="1.0" encoding="utf-8"?>
-<p:sld xmlns:a="http://schemas.openxmlformats.org/drawingml/2006/main" xmlns:r="http://schemas.openxmlformats.org/officeDocument/2006/relationships" xmlns:p="http://schemas.openxmlformats.org/presentationml/2006/main">
-  <p:cSld>
-    <p:spTree>
-      <p:nvGrpSpPr>
-        <p:cNvPr id="1" name=""/>
-        <p:cNvGrpSpPr/>
-        <p:nvPr/>
-      </p:nvGrpSpPr>
-      <p:grpSpPr>
-        <a:xfrm>
-          <a:off x="0" y="0"/>
-          <a:ext cx="0" cy="0"/>
-          <a:chOff x="0" y="0"/>
-          <a:chExt cx="0" cy="0"/>
-        </a:xfrm>
-      </p:grpSpPr>
-      <p:pic>
-        <p:nvPicPr>
-          <p:cNvPr id="3" name="그림 2">
-            <a:extLst>
-              <a:ext uri="{FF2B5EF4-FFF2-40B4-BE49-F238E27FC236}">
-                <a16:creationId xmlns:a16="http://schemas.microsoft.com/office/drawing/2014/main" id="{09C74CD9-F070-4917-B954-624937E98929}"/>
-              </a:ext>
-            </a:extLst>
-          </p:cNvPr>
-          <p:cNvPicPr>
-            <a:picLocks noChangeAspect="1"/>
-          </p:cNvPicPr>
-          <p:nvPr/>
-        </p:nvPicPr>
-        <p:blipFill>
-          <a:blip r:embed="rId2"/>
-          <a:stretch>
-            <a:fillRect/>
-          </a:stretch>
-        </p:blipFill>
-        <p:spPr>
-          <a:xfrm>
-            <a:off x="460927" y="465275"/>
-            <a:ext cx="2305050" cy="2428875"/>
-          </a:xfrm>
-          <a:prstGeom prst="rect">
-            <a:avLst/>
-          </a:prstGeom>
-        </p:spPr>
-      </p:pic>
-      <p:pic>
-        <p:nvPicPr>
-          <p:cNvPr id="5" name="그림 4">
-            <a:extLst>
-              <a:ext uri="{FF2B5EF4-FFF2-40B4-BE49-F238E27FC236}">
-                <a16:creationId xmlns:a16="http://schemas.microsoft.com/office/drawing/2014/main" id="{FC70A0B7-D76A-4E28-A82C-CA7D63637755}"/>
-              </a:ext>
-            </a:extLst>
-          </p:cNvPr>
-          <p:cNvPicPr>
-            <a:picLocks noChangeAspect="1"/>
-          </p:cNvPicPr>
-          <p:nvPr/>
-        </p:nvPicPr>
-        <p:blipFill>
-          <a:blip r:embed="rId3"/>
-          <a:stretch>
-            <a:fillRect/>
-          </a:stretch>
-        </p:blipFill>
-        <p:spPr>
-          <a:xfrm>
-            <a:off x="394252" y="3852656"/>
-            <a:ext cx="2371725" cy="2114550"/>
-          </a:xfrm>
-          <a:prstGeom prst="rect">
-            <a:avLst/>
-          </a:prstGeom>
-        </p:spPr>
-      </p:pic>
-      <p:pic>
-        <p:nvPicPr>
-          <p:cNvPr id="7" name="그림 6">
-            <a:extLst>
-              <a:ext uri="{FF2B5EF4-FFF2-40B4-BE49-F238E27FC236}">
-                <a16:creationId xmlns:a16="http://schemas.microsoft.com/office/drawing/2014/main" id="{5F97A547-F214-44CF-B3EE-848B070ABEA4}"/>
-              </a:ext>
-            </a:extLst>
-          </p:cNvPr>
-          <p:cNvPicPr>
-            <a:picLocks noChangeAspect="1"/>
-          </p:cNvPicPr>
-          <p:nvPr/>
-        </p:nvPicPr>
-        <p:blipFill>
-          <a:blip r:embed="rId4"/>
-          <a:stretch>
-            <a:fillRect/>
-          </a:stretch>
-        </p:blipFill>
-        <p:spPr>
-          <a:xfrm>
-            <a:off x="6276147" y="465275"/>
-            <a:ext cx="2800350" cy="2590800"/>
-          </a:xfrm>
-          <a:prstGeom prst="rect">
-            <a:avLst/>
-          </a:prstGeom>
-        </p:spPr>
-      </p:pic>
-      <p:pic>
-        <p:nvPicPr>
-          <p:cNvPr id="9" name="그림 8">
-            <a:extLst>
-              <a:ext uri="{FF2B5EF4-FFF2-40B4-BE49-F238E27FC236}">
-                <a16:creationId xmlns:a16="http://schemas.microsoft.com/office/drawing/2014/main" id="{2A16CDD5-8027-490F-BDF7-6D1C9A275327}"/>
-              </a:ext>
-            </a:extLst>
-          </p:cNvPr>
-          <p:cNvPicPr>
-            <a:picLocks noChangeAspect="1"/>
-          </p:cNvPicPr>
-          <p:nvPr/>
-        </p:nvPicPr>
-        <p:blipFill>
-          <a:blip r:embed="rId5"/>
-          <a:stretch>
-            <a:fillRect/>
-          </a:stretch>
-        </p:blipFill>
-        <p:spPr>
-          <a:xfrm>
-            <a:off x="6380922" y="3676443"/>
-            <a:ext cx="2590800" cy="2466975"/>
-          </a:xfrm>
-          <a:prstGeom prst="rect">
-            <a:avLst/>
-          </a:prstGeom>
-        </p:spPr>
-      </p:pic>
-    </p:spTree>
-    <p:extLst>
-      <p:ext uri="{BB962C8B-B14F-4D97-AF65-F5344CB8AC3E}">
-        <p14:creationId xmlns:p14="http://schemas.microsoft.com/office/powerpoint/2010/main" val="1256482497"/>
       </p:ext>
     </p:extLst>
   </p:cSld>
